--- a/DOT-HUB_toolbox_Structure.pptx
+++ b/DOT-HUB_toolbox_Structure.pptx
@@ -214,7 +214,7 @@
           <a:p>
             <a:fld id="{6F7A0A24-292E-364C-B33E-0BB1C90B01E1}" type="datetimeFigureOut">
               <a:rPr lang="en-US" smtClean="0"/>
-              <a:t>5/2/20</a:t>
+              <a:t>5/4/20</a:t>
             </a:fld>
             <a:endParaRPr lang="en-US"/>
           </a:p>
@@ -1016,7 +1016,7 @@
           <a:p>
             <a:fld id="{C3ECEC92-9615-BC4F-94B6-774A2D961B6A}" type="datetimeFigureOut">
               <a:rPr lang="es-ES" smtClean="0"/>
-              <a:t>2/5/20</a:t>
+              <a:t>4/5/20</a:t>
             </a:fld>
             <a:endParaRPr lang="en-GB"/>
           </a:p>
@@ -1184,7 +1184,7 @@
           <a:p>
             <a:fld id="{C3ECEC92-9615-BC4F-94B6-774A2D961B6A}" type="datetimeFigureOut">
               <a:rPr lang="es-ES" smtClean="0"/>
-              <a:t>2/5/20</a:t>
+              <a:t>4/5/20</a:t>
             </a:fld>
             <a:endParaRPr lang="en-GB"/>
           </a:p>
@@ -1362,7 +1362,7 @@
           <a:p>
             <a:fld id="{C3ECEC92-9615-BC4F-94B6-774A2D961B6A}" type="datetimeFigureOut">
               <a:rPr lang="es-ES" smtClean="0"/>
-              <a:t>2/5/20</a:t>
+              <a:t>4/5/20</a:t>
             </a:fld>
             <a:endParaRPr lang="en-GB"/>
           </a:p>
@@ -1530,7 +1530,7 @@
           <a:p>
             <a:fld id="{C3ECEC92-9615-BC4F-94B6-774A2D961B6A}" type="datetimeFigureOut">
               <a:rPr lang="es-ES" smtClean="0"/>
-              <a:t>2/5/20</a:t>
+              <a:t>4/5/20</a:t>
             </a:fld>
             <a:endParaRPr lang="en-GB"/>
           </a:p>
@@ -1775,7 +1775,7 @@
           <a:p>
             <a:fld id="{C3ECEC92-9615-BC4F-94B6-774A2D961B6A}" type="datetimeFigureOut">
               <a:rPr lang="es-ES" smtClean="0"/>
-              <a:t>2/5/20</a:t>
+              <a:t>4/5/20</a:t>
             </a:fld>
             <a:endParaRPr lang="en-GB"/>
           </a:p>
@@ -2060,7 +2060,7 @@
           <a:p>
             <a:fld id="{C3ECEC92-9615-BC4F-94B6-774A2D961B6A}" type="datetimeFigureOut">
               <a:rPr lang="es-ES" smtClean="0"/>
-              <a:t>2/5/20</a:t>
+              <a:t>4/5/20</a:t>
             </a:fld>
             <a:endParaRPr lang="en-GB"/>
           </a:p>
@@ -2484,7 +2484,7 @@
           <a:p>
             <a:fld id="{C3ECEC92-9615-BC4F-94B6-774A2D961B6A}" type="datetimeFigureOut">
               <a:rPr lang="es-ES" smtClean="0"/>
-              <a:t>2/5/20</a:t>
+              <a:t>4/5/20</a:t>
             </a:fld>
             <a:endParaRPr lang="en-GB"/>
           </a:p>
@@ -2601,7 +2601,7 @@
           <a:p>
             <a:fld id="{C3ECEC92-9615-BC4F-94B6-774A2D961B6A}" type="datetimeFigureOut">
               <a:rPr lang="es-ES" smtClean="0"/>
-              <a:t>2/5/20</a:t>
+              <a:t>4/5/20</a:t>
             </a:fld>
             <a:endParaRPr lang="en-GB"/>
           </a:p>
@@ -2696,7 +2696,7 @@
           <a:p>
             <a:fld id="{C3ECEC92-9615-BC4F-94B6-774A2D961B6A}" type="datetimeFigureOut">
               <a:rPr lang="es-ES" smtClean="0"/>
-              <a:t>2/5/20</a:t>
+              <a:t>4/5/20</a:t>
             </a:fld>
             <a:endParaRPr lang="en-GB"/>
           </a:p>
@@ -2971,7 +2971,7 @@
           <a:p>
             <a:fld id="{C3ECEC92-9615-BC4F-94B6-774A2D961B6A}" type="datetimeFigureOut">
               <a:rPr lang="es-ES" smtClean="0"/>
-              <a:t>2/5/20</a:t>
+              <a:t>4/5/20</a:t>
             </a:fld>
             <a:endParaRPr lang="en-GB"/>
           </a:p>
@@ -3223,7 +3223,7 @@
           <a:p>
             <a:fld id="{C3ECEC92-9615-BC4F-94B6-774A2D961B6A}" type="datetimeFigureOut">
               <a:rPr lang="es-ES" smtClean="0"/>
-              <a:t>2/5/20</a:t>
+              <a:t>4/5/20</a:t>
             </a:fld>
             <a:endParaRPr lang="en-GB"/>
           </a:p>
@@ -3434,7 +3434,7 @@
           <a:p>
             <a:fld id="{C3ECEC92-9615-BC4F-94B6-774A2D961B6A}" type="datetimeFigureOut">
               <a:rPr lang="es-ES" smtClean="0"/>
-              <a:t>2/5/20</a:t>
+              <a:t>4/5/20</a:t>
             </a:fld>
             <a:endParaRPr lang="en-GB"/>
           </a:p>
@@ -3834,7 +3834,7 @@
             <a:solidFill>
               <a:schemeClr val="tx1"/>
             </a:solidFill>
-            <a:prstDash val="dash"/>
+            <a:prstDash val="sysDot"/>
           </a:ln>
           <a:effectLst/>
         </p:spPr>
@@ -4357,7 +4357,7 @@
         <p:spPr>
           <a:xfrm>
             <a:off x="207282" y="117479"/>
-            <a:ext cx="5608688" cy="1323439"/>
+            <a:ext cx="5608688" cy="400110"/>
           </a:xfrm>
           <a:prstGeom prst="rect">
             <a:avLst/>
@@ -4373,28 +4373,6 @@
             <a:r>
               <a:rPr lang="en-US" sz="2000" b="1" dirty="0"/>
               <a:t>SUMMARY VIEW </a:t>
-            </a:r>
-          </a:p>
-          <a:p>
-            <a:r>
-              <a:rPr lang="en-US" sz="2000" dirty="0" err="1"/>
-              <a:t>LUMO_toolbox</a:t>
-            </a:r>
-            <a:r>
-              <a:rPr lang="en-US" sz="2000" dirty="0"/>
-              <a:t> (functions in blue)</a:t>
-            </a:r>
-          </a:p>
-          <a:p>
-            <a:r>
-              <a:rPr lang="en-US" sz="2000" dirty="0"/>
-              <a:t>Dashed outline = TBD/or externally determined</a:t>
-            </a:r>
-          </a:p>
-          <a:p>
-            <a:r>
-              <a:rPr lang="en-US" sz="2000" dirty="0"/>
-              <a:t>Red box = output for publication</a:t>
             </a:r>
           </a:p>
         </p:txBody>
@@ -7630,7 +7608,7 @@
             <a:solidFill>
               <a:schemeClr val="tx1"/>
             </a:solidFill>
-            <a:prstDash val="dash"/>
+            <a:prstDash val="sysDot"/>
           </a:ln>
           <a:effectLst/>
         </p:spPr>
@@ -7715,8 +7693,8 @@
         </p:nvCxnSpPr>
         <p:spPr>
           <a:xfrm rot="16200000" flipH="1">
-            <a:off x="11702729" y="690799"/>
-            <a:ext cx="1181723" cy="6087863"/>
+            <a:off x="11756589" y="636939"/>
+            <a:ext cx="1074002" cy="6087863"/>
           </a:xfrm>
           <a:prstGeom prst="bentConnector2">
             <a:avLst/>
@@ -8316,7 +8294,7 @@
           <a:p>
             <a:r>
               <a:rPr lang="en-US" sz="2000" dirty="0"/>
-              <a:t>Dashed outline = TBD/or externally determined</a:t>
+              <a:t>Dashed box = TBD/or externally determined</a:t>
             </a:r>
           </a:p>
           <a:p>
@@ -8720,8 +8698,8 @@
         </p:nvCxnSpPr>
         <p:spPr>
           <a:xfrm rot="5400000">
-            <a:off x="18991612" y="884832"/>
-            <a:ext cx="1803079" cy="5078443"/>
+            <a:off x="19045472" y="830972"/>
+            <a:ext cx="1695358" cy="5078443"/>
           </a:xfrm>
           <a:prstGeom prst="bentConnector2">
             <a:avLst/>
@@ -10298,8 +10276,8 @@
         </p:nvCxnSpPr>
         <p:spPr>
           <a:xfrm flipH="1">
-            <a:off x="16345724" y="4587203"/>
-            <a:ext cx="2" cy="231695"/>
+            <a:off x="16345724" y="4371760"/>
+            <a:ext cx="2" cy="447138"/>
           </a:xfrm>
           <a:prstGeom prst="straightConnector1">
             <a:avLst/>
@@ -10715,7 +10693,7 @@
         <p:spPr>
           <a:xfrm>
             <a:off x="15337522" y="4063983"/>
-            <a:ext cx="2016407" cy="523220"/>
+            <a:ext cx="2016407" cy="307777"/>
           </a:xfrm>
           <a:prstGeom prst="rect">
             <a:avLst/>
@@ -10752,13 +10730,6 @@
               <a:rPr lang="en-US" sz="1400" dirty="0"/>
               <a:t> </a:t>
             </a:r>
-            <a:br>
-              <a:rPr lang="en-US" sz="1400" dirty="0"/>
-            </a:br>
-            <a:r>
-              <a:rPr lang="en-US" sz="1400" dirty="0"/>
-              <a:t>(SD &amp; SD3D)</a:t>
-            </a:r>
           </a:p>
         </p:txBody>
       </p:sp>
@@ -13351,6 +13322,477 @@
           </a:fontRef>
         </p:style>
       </p:cxnSp>
+      <p:cxnSp>
+        <p:nvCxnSpPr>
+          <p:cNvPr id="109" name="Straight Arrow Connector 108">
+            <a:extLst>
+              <a:ext uri="{FF2B5EF4-FFF2-40B4-BE49-F238E27FC236}">
+                <a16:creationId xmlns:a16="http://schemas.microsoft.com/office/drawing/2014/main" id="{ACC35F55-BFF0-174F-B94B-9D837F8CFDC7}"/>
+              </a:ext>
+            </a:extLst>
+          </p:cNvPr>
+          <p:cNvCxnSpPr>
+            <a:cxnSpLocks/>
+            <a:stCxn id="88" idx="3"/>
+            <a:endCxn id="111" idx="1"/>
+          </p:cNvCxnSpPr>
+          <p:nvPr/>
+        </p:nvCxnSpPr>
+        <p:spPr>
+          <a:xfrm>
+            <a:off x="17597074" y="12168992"/>
+            <a:ext cx="2778225" cy="1325"/>
+          </a:xfrm>
+          <a:prstGeom prst="straightConnector1">
+            <a:avLst/>
+          </a:prstGeom>
+          <a:ln>
+            <a:tailEnd type="triangle"/>
+          </a:ln>
+          <a:effectLst/>
+        </p:spPr>
+        <p:style>
+          <a:lnRef idx="2">
+            <a:schemeClr val="accent1"/>
+          </a:lnRef>
+          <a:fillRef idx="0">
+            <a:schemeClr val="accent1"/>
+          </a:fillRef>
+          <a:effectRef idx="1">
+            <a:schemeClr val="accent1"/>
+          </a:effectRef>
+          <a:fontRef idx="minor">
+            <a:schemeClr val="tx1"/>
+          </a:fontRef>
+        </p:style>
+      </p:cxnSp>
+      <p:sp>
+        <p:nvSpPr>
+          <p:cNvPr id="111" name="Rectangle 110">
+            <a:extLst>
+              <a:ext uri="{FF2B5EF4-FFF2-40B4-BE49-F238E27FC236}">
+                <a16:creationId xmlns:a16="http://schemas.microsoft.com/office/drawing/2014/main" id="{02D47B8C-86CA-EF42-B6C2-74385D39EB8F}"/>
+              </a:ext>
+            </a:extLst>
+          </p:cNvPr>
+          <p:cNvSpPr/>
+          <p:nvPr/>
+        </p:nvSpPr>
+        <p:spPr>
+          <a:xfrm>
+            <a:off x="20375299" y="11953503"/>
+            <a:ext cx="2291227" cy="433627"/>
+          </a:xfrm>
+          <a:prstGeom prst="rect">
+            <a:avLst/>
+          </a:prstGeom>
+          <a:noFill/>
+          <a:ln w="38100">
+            <a:solidFill>
+              <a:schemeClr val="tx1"/>
+            </a:solidFill>
+            <a:prstDash val="sysDash"/>
+          </a:ln>
+          <a:effectLst/>
+        </p:spPr>
+        <p:style>
+          <a:lnRef idx="1">
+            <a:schemeClr val="accent1"/>
+          </a:lnRef>
+          <a:fillRef idx="3">
+            <a:schemeClr val="accent1"/>
+          </a:fillRef>
+          <a:effectRef idx="2">
+            <a:schemeClr val="accent1"/>
+          </a:effectRef>
+          <a:fontRef idx="minor">
+            <a:schemeClr val="lt1"/>
+          </a:fontRef>
+        </p:style>
+        <p:txBody>
+          <a:bodyPr rtlCol="0" anchor="ctr"/>
+          <a:lstStyle/>
+          <a:p>
+            <a:pPr algn="ctr"/>
+            <a:r>
+              <a:rPr lang="en-US" sz="1200" b="1" i="1" dirty="0">
+                <a:solidFill>
+                  <a:schemeClr val="tx1"/>
+                </a:solidFill>
+              </a:rPr>
+              <a:t>Plot flat field?</a:t>
+            </a:r>
+            <a:endParaRPr lang="en-US" sz="1200" dirty="0">
+              <a:solidFill>
+                <a:schemeClr val="tx1"/>
+              </a:solidFill>
+            </a:endParaRPr>
+          </a:p>
+        </p:txBody>
+      </p:sp>
+      <p:cxnSp>
+        <p:nvCxnSpPr>
+          <p:cNvPr id="112" name="Straight Arrow Connector 111">
+            <a:extLst>
+              <a:ext uri="{FF2B5EF4-FFF2-40B4-BE49-F238E27FC236}">
+                <a16:creationId xmlns:a16="http://schemas.microsoft.com/office/drawing/2014/main" id="{CF92859F-93FA-0F40-90B7-FA8CB4419A28}"/>
+              </a:ext>
+            </a:extLst>
+          </p:cNvPr>
+          <p:cNvCxnSpPr>
+            <a:cxnSpLocks/>
+            <a:endCxn id="113" idx="1"/>
+          </p:cNvCxnSpPr>
+          <p:nvPr/>
+        </p:nvCxnSpPr>
+        <p:spPr>
+          <a:xfrm>
+            <a:off x="17599094" y="10435481"/>
+            <a:ext cx="2778225" cy="1325"/>
+          </a:xfrm>
+          <a:prstGeom prst="straightConnector1">
+            <a:avLst/>
+          </a:prstGeom>
+          <a:ln>
+            <a:tailEnd type="triangle"/>
+          </a:ln>
+          <a:effectLst/>
+        </p:spPr>
+        <p:style>
+          <a:lnRef idx="2">
+            <a:schemeClr val="accent1"/>
+          </a:lnRef>
+          <a:fillRef idx="0">
+            <a:schemeClr val="accent1"/>
+          </a:fillRef>
+          <a:effectRef idx="1">
+            <a:schemeClr val="accent1"/>
+          </a:effectRef>
+          <a:fontRef idx="minor">
+            <a:schemeClr val="tx1"/>
+          </a:fontRef>
+        </p:style>
+      </p:cxnSp>
+      <p:sp>
+        <p:nvSpPr>
+          <p:cNvPr id="113" name="Rectangle 112">
+            <a:extLst>
+              <a:ext uri="{FF2B5EF4-FFF2-40B4-BE49-F238E27FC236}">
+                <a16:creationId xmlns:a16="http://schemas.microsoft.com/office/drawing/2014/main" id="{3747CAF3-2058-6249-821B-FE34E3D80C27}"/>
+              </a:ext>
+            </a:extLst>
+          </p:cNvPr>
+          <p:cNvSpPr/>
+          <p:nvPr/>
+        </p:nvSpPr>
+        <p:spPr>
+          <a:xfrm>
+            <a:off x="20377319" y="10219992"/>
+            <a:ext cx="2291227" cy="433627"/>
+          </a:xfrm>
+          <a:prstGeom prst="rect">
+            <a:avLst/>
+          </a:prstGeom>
+          <a:noFill/>
+          <a:ln w="38100">
+            <a:solidFill>
+              <a:schemeClr val="tx1"/>
+            </a:solidFill>
+            <a:prstDash val="sysDash"/>
+          </a:ln>
+          <a:effectLst/>
+        </p:spPr>
+        <p:style>
+          <a:lnRef idx="1">
+            <a:schemeClr val="accent1"/>
+          </a:lnRef>
+          <a:fillRef idx="3">
+            <a:schemeClr val="accent1"/>
+          </a:fillRef>
+          <a:effectRef idx="2">
+            <a:schemeClr val="accent1"/>
+          </a:effectRef>
+          <a:fontRef idx="minor">
+            <a:schemeClr val="lt1"/>
+          </a:fontRef>
+        </p:style>
+        <p:txBody>
+          <a:bodyPr rtlCol="0" anchor="ctr"/>
+          <a:lstStyle/>
+          <a:p>
+            <a:pPr algn="ctr"/>
+            <a:r>
+              <a:rPr lang="en-US" sz="1200" b="1" i="1" dirty="0">
+                <a:solidFill>
+                  <a:schemeClr val="tx1"/>
+                </a:solidFill>
+              </a:rPr>
+              <a:t>Plot </a:t>
+            </a:r>
+            <a:r>
+              <a:rPr lang="en-US" sz="1200" b="1" i="1" dirty="0" err="1">
+                <a:solidFill>
+                  <a:schemeClr val="tx1"/>
+                </a:solidFill>
+              </a:rPr>
+              <a:t>Jgm</a:t>
+            </a:r>
+            <a:r>
+              <a:rPr lang="en-US" sz="1200" b="1" i="1" dirty="0">
+                <a:solidFill>
+                  <a:schemeClr val="tx1"/>
+                </a:solidFill>
+              </a:rPr>
+              <a:t>?</a:t>
+            </a:r>
+            <a:endParaRPr lang="en-US" sz="1200" dirty="0">
+              <a:solidFill>
+                <a:schemeClr val="tx1"/>
+              </a:solidFill>
+            </a:endParaRPr>
+          </a:p>
+        </p:txBody>
+      </p:sp>
+      <p:cxnSp>
+        <p:nvCxnSpPr>
+          <p:cNvPr id="114" name="Straight Arrow Connector 113">
+            <a:extLst>
+              <a:ext uri="{FF2B5EF4-FFF2-40B4-BE49-F238E27FC236}">
+                <a16:creationId xmlns:a16="http://schemas.microsoft.com/office/drawing/2014/main" id="{3AE5B57E-D8B8-4745-9740-D3DD192FEEB8}"/>
+              </a:ext>
+            </a:extLst>
+          </p:cNvPr>
+          <p:cNvCxnSpPr>
+            <a:cxnSpLocks/>
+            <a:stCxn id="16" idx="3"/>
+            <a:endCxn id="116" idx="1"/>
+          </p:cNvCxnSpPr>
+          <p:nvPr/>
+        </p:nvCxnSpPr>
+        <p:spPr>
+          <a:xfrm>
+            <a:off x="17899965" y="8750774"/>
+            <a:ext cx="2475334" cy="7295"/>
+          </a:xfrm>
+          <a:prstGeom prst="straightConnector1">
+            <a:avLst/>
+          </a:prstGeom>
+          <a:ln>
+            <a:tailEnd type="triangle"/>
+          </a:ln>
+          <a:effectLst/>
+        </p:spPr>
+        <p:style>
+          <a:lnRef idx="2">
+            <a:schemeClr val="accent1"/>
+          </a:lnRef>
+          <a:fillRef idx="0">
+            <a:schemeClr val="accent1"/>
+          </a:fillRef>
+          <a:effectRef idx="1">
+            <a:schemeClr val="accent1"/>
+          </a:effectRef>
+          <a:fontRef idx="minor">
+            <a:schemeClr val="tx1"/>
+          </a:fontRef>
+        </p:style>
+      </p:cxnSp>
+      <p:sp>
+        <p:nvSpPr>
+          <p:cNvPr id="116" name="Rectangle 115">
+            <a:extLst>
+              <a:ext uri="{FF2B5EF4-FFF2-40B4-BE49-F238E27FC236}">
+                <a16:creationId xmlns:a16="http://schemas.microsoft.com/office/drawing/2014/main" id="{5E2C8DCB-80DF-1B45-8C73-A993675D5639}"/>
+              </a:ext>
+            </a:extLst>
+          </p:cNvPr>
+          <p:cNvSpPr/>
+          <p:nvPr/>
+        </p:nvSpPr>
+        <p:spPr>
+          <a:xfrm>
+            <a:off x="20375299" y="8541255"/>
+            <a:ext cx="2291227" cy="433627"/>
+          </a:xfrm>
+          <a:prstGeom prst="rect">
+            <a:avLst/>
+          </a:prstGeom>
+          <a:noFill/>
+          <a:ln w="38100">
+            <a:solidFill>
+              <a:schemeClr val="tx1"/>
+            </a:solidFill>
+            <a:prstDash val="sysDash"/>
+          </a:ln>
+          <a:effectLst/>
+        </p:spPr>
+        <p:style>
+          <a:lnRef idx="1">
+            <a:schemeClr val="accent1"/>
+          </a:lnRef>
+          <a:fillRef idx="3">
+            <a:schemeClr val="accent1"/>
+          </a:fillRef>
+          <a:effectRef idx="2">
+            <a:schemeClr val="accent1"/>
+          </a:effectRef>
+          <a:fontRef idx="minor">
+            <a:schemeClr val="lt1"/>
+          </a:fontRef>
+        </p:style>
+        <p:txBody>
+          <a:bodyPr rtlCol="0" anchor="ctr"/>
+          <a:lstStyle/>
+          <a:p>
+            <a:pPr algn="ctr"/>
+            <a:r>
+              <a:rPr lang="en-US" sz="1200" b="1" i="1" dirty="0">
+                <a:solidFill>
+                  <a:schemeClr val="tx1"/>
+                </a:solidFill>
+              </a:rPr>
+              <a:t>Plot </a:t>
+            </a:r>
+            <a:r>
+              <a:rPr lang="en-US" sz="1200" b="1" i="1" dirty="0" err="1">
+                <a:solidFill>
+                  <a:schemeClr val="tx1"/>
+                </a:solidFill>
+              </a:rPr>
+              <a:t>rmap</a:t>
+            </a:r>
+            <a:r>
+              <a:rPr lang="en-US" sz="1200" b="1" i="1" dirty="0">
+                <a:solidFill>
+                  <a:schemeClr val="tx1"/>
+                </a:solidFill>
+              </a:rPr>
+              <a:t> or </a:t>
+            </a:r>
+            <a:r>
+              <a:rPr lang="en-US" sz="1200" b="1" i="1" dirty="0" err="1">
+                <a:solidFill>
+                  <a:schemeClr val="tx1"/>
+                </a:solidFill>
+              </a:rPr>
+              <a:t>mshs</a:t>
+            </a:r>
+            <a:endParaRPr lang="en-US" sz="1200" dirty="0">
+              <a:solidFill>
+                <a:schemeClr val="tx1"/>
+              </a:solidFill>
+            </a:endParaRPr>
+          </a:p>
+        </p:txBody>
+      </p:sp>
+      <p:cxnSp>
+        <p:nvCxnSpPr>
+          <p:cNvPr id="124" name="Straight Arrow Connector 123">
+            <a:extLst>
+              <a:ext uri="{FF2B5EF4-FFF2-40B4-BE49-F238E27FC236}">
+                <a16:creationId xmlns:a16="http://schemas.microsoft.com/office/drawing/2014/main" id="{6A1724CC-4EF1-A641-9BB1-67739B2DDA2F}"/>
+              </a:ext>
+            </a:extLst>
+          </p:cNvPr>
+          <p:cNvCxnSpPr>
+            <a:cxnSpLocks/>
+            <a:stCxn id="9" idx="3"/>
+            <a:endCxn id="128" idx="1"/>
+          </p:cNvCxnSpPr>
+          <p:nvPr/>
+        </p:nvCxnSpPr>
+        <p:spPr>
+          <a:xfrm>
+            <a:off x="17568453" y="7107824"/>
+            <a:ext cx="2811801" cy="3842"/>
+          </a:xfrm>
+          <a:prstGeom prst="straightConnector1">
+            <a:avLst/>
+          </a:prstGeom>
+          <a:ln>
+            <a:tailEnd type="triangle"/>
+          </a:ln>
+          <a:effectLst/>
+        </p:spPr>
+        <p:style>
+          <a:lnRef idx="2">
+            <a:schemeClr val="accent1"/>
+          </a:lnRef>
+          <a:fillRef idx="0">
+            <a:schemeClr val="accent1"/>
+          </a:fillRef>
+          <a:effectRef idx="1">
+            <a:schemeClr val="accent1"/>
+          </a:effectRef>
+          <a:fontRef idx="minor">
+            <a:schemeClr val="tx1"/>
+          </a:fontRef>
+        </p:style>
+      </p:cxnSp>
+      <p:sp>
+        <p:nvSpPr>
+          <p:cNvPr id="128" name="Rectangle 127">
+            <a:extLst>
+              <a:ext uri="{FF2B5EF4-FFF2-40B4-BE49-F238E27FC236}">
+                <a16:creationId xmlns:a16="http://schemas.microsoft.com/office/drawing/2014/main" id="{0FEC66BA-864D-7E49-910A-A185E5109D01}"/>
+              </a:ext>
+            </a:extLst>
+          </p:cNvPr>
+          <p:cNvSpPr/>
+          <p:nvPr/>
+        </p:nvSpPr>
+        <p:spPr>
+          <a:xfrm>
+            <a:off x="20380254" y="6894852"/>
+            <a:ext cx="2291227" cy="433627"/>
+          </a:xfrm>
+          <a:prstGeom prst="rect">
+            <a:avLst/>
+          </a:prstGeom>
+          <a:noFill/>
+          <a:ln w="38100">
+            <a:solidFill>
+              <a:schemeClr val="tx1"/>
+            </a:solidFill>
+            <a:prstDash val="sysDash"/>
+          </a:ln>
+          <a:effectLst/>
+        </p:spPr>
+        <p:style>
+          <a:lnRef idx="1">
+            <a:schemeClr val="accent1"/>
+          </a:lnRef>
+          <a:fillRef idx="3">
+            <a:schemeClr val="accent1"/>
+          </a:fillRef>
+          <a:effectRef idx="2">
+            <a:schemeClr val="accent1"/>
+          </a:effectRef>
+          <a:fontRef idx="minor">
+            <a:schemeClr val="lt1"/>
+          </a:fontRef>
+        </p:style>
+        <p:txBody>
+          <a:bodyPr rtlCol="0" anchor="ctr"/>
+          <a:lstStyle/>
+          <a:p>
+            <a:pPr algn="ctr"/>
+            <a:r>
+              <a:rPr lang="en-US" sz="1200" b="1" i="1" dirty="0">
+                <a:solidFill>
+                  <a:schemeClr val="tx1"/>
+                </a:solidFill>
+              </a:rPr>
+              <a:t>Plot array map, plot HRF</a:t>
+            </a:r>
+            <a:endParaRPr lang="en-US" sz="1200" dirty="0">
+              <a:solidFill>
+                <a:schemeClr val="tx1"/>
+              </a:solidFill>
+            </a:endParaRPr>
+          </a:p>
+        </p:txBody>
+      </p:sp>
     </p:spTree>
     <p:extLst>
       <p:ext uri="{BB962C8B-B14F-4D97-AF65-F5344CB8AC3E}">
@@ -13406,7 +13848,7 @@
             <a:solidFill>
               <a:schemeClr val="tx1"/>
             </a:solidFill>
-            <a:prstDash val="dash"/>
+            <a:prstDash val="sysDot"/>
           </a:ln>
           <a:effectLst/>
         </p:spPr>
@@ -14125,7 +14567,7 @@
           <a:p>
             <a:r>
               <a:rPr lang="en-US" sz="2000" dirty="0"/>
-              <a:t>Dashed outline = TBD/or externally determined</a:t>
+              <a:t>Dashed box = TBD/or externally determined</a:t>
             </a:r>
           </a:p>
           <a:p>
@@ -19478,7 +19920,7 @@
             <a:solidFill>
               <a:schemeClr val="tx1"/>
             </a:solidFill>
-            <a:prstDash val="dash"/>
+            <a:prstDash val="sysDot"/>
           </a:ln>
           <a:effectLst/>
         </p:spPr>
@@ -20184,7 +20626,7 @@
           <a:p>
             <a:r>
               <a:rPr lang="en-US" sz="2000" dirty="0"/>
-              <a:t>Dashed outline = TBD/or externally determined</a:t>
+              <a:t>Dashed box = TBD/or externally determined</a:t>
             </a:r>
           </a:p>
           <a:p>

--- a/DOT-HUB_toolbox_Structure.pptx
+++ b/DOT-HUB_toolbox_Structure.pptx
@@ -3823,8 +3823,8 @@
         </p:nvSpPr>
         <p:spPr>
           <a:xfrm>
-            <a:off x="13767006" y="1565329"/>
-            <a:ext cx="5280922" cy="13251052"/>
+            <a:off x="13990777" y="1565329"/>
+            <a:ext cx="4586082" cy="13251052"/>
           </a:xfrm>
           <a:prstGeom prst="rect">
             <a:avLst/>

--- a/DOT-HUB_toolbox_Structure.pptx
+++ b/DOT-HUB_toolbox_Structure.pptx
@@ -214,7 +214,7 @@
           <a:p>
             <a:fld id="{6F7A0A24-292E-364C-B33E-0BB1C90B01E1}" type="datetimeFigureOut">
               <a:rPr lang="en-US" smtClean="0"/>
-              <a:t>5/4/20</a:t>
+              <a:t>5/6/20</a:t>
             </a:fld>
             <a:endParaRPr lang="en-US"/>
           </a:p>
@@ -1016,7 +1016,7 @@
           <a:p>
             <a:fld id="{C3ECEC92-9615-BC4F-94B6-774A2D961B6A}" type="datetimeFigureOut">
               <a:rPr lang="es-ES" smtClean="0"/>
-              <a:t>4/5/20</a:t>
+              <a:t>6/5/20</a:t>
             </a:fld>
             <a:endParaRPr lang="en-GB"/>
           </a:p>
@@ -1184,7 +1184,7 @@
           <a:p>
             <a:fld id="{C3ECEC92-9615-BC4F-94B6-774A2D961B6A}" type="datetimeFigureOut">
               <a:rPr lang="es-ES" smtClean="0"/>
-              <a:t>4/5/20</a:t>
+              <a:t>6/5/20</a:t>
             </a:fld>
             <a:endParaRPr lang="en-GB"/>
           </a:p>
@@ -1362,7 +1362,7 @@
           <a:p>
             <a:fld id="{C3ECEC92-9615-BC4F-94B6-774A2D961B6A}" type="datetimeFigureOut">
               <a:rPr lang="es-ES" smtClean="0"/>
-              <a:t>4/5/20</a:t>
+              <a:t>6/5/20</a:t>
             </a:fld>
             <a:endParaRPr lang="en-GB"/>
           </a:p>
@@ -1530,7 +1530,7 @@
           <a:p>
             <a:fld id="{C3ECEC92-9615-BC4F-94B6-774A2D961B6A}" type="datetimeFigureOut">
               <a:rPr lang="es-ES" smtClean="0"/>
-              <a:t>4/5/20</a:t>
+              <a:t>6/5/20</a:t>
             </a:fld>
             <a:endParaRPr lang="en-GB"/>
           </a:p>
@@ -1775,7 +1775,7 @@
           <a:p>
             <a:fld id="{C3ECEC92-9615-BC4F-94B6-774A2D961B6A}" type="datetimeFigureOut">
               <a:rPr lang="es-ES" smtClean="0"/>
-              <a:t>4/5/20</a:t>
+              <a:t>6/5/20</a:t>
             </a:fld>
             <a:endParaRPr lang="en-GB"/>
           </a:p>
@@ -2060,7 +2060,7 @@
           <a:p>
             <a:fld id="{C3ECEC92-9615-BC4F-94B6-774A2D961B6A}" type="datetimeFigureOut">
               <a:rPr lang="es-ES" smtClean="0"/>
-              <a:t>4/5/20</a:t>
+              <a:t>6/5/20</a:t>
             </a:fld>
             <a:endParaRPr lang="en-GB"/>
           </a:p>
@@ -2484,7 +2484,7 @@
           <a:p>
             <a:fld id="{C3ECEC92-9615-BC4F-94B6-774A2D961B6A}" type="datetimeFigureOut">
               <a:rPr lang="es-ES" smtClean="0"/>
-              <a:t>4/5/20</a:t>
+              <a:t>6/5/20</a:t>
             </a:fld>
             <a:endParaRPr lang="en-GB"/>
           </a:p>
@@ -2601,7 +2601,7 @@
           <a:p>
             <a:fld id="{C3ECEC92-9615-BC4F-94B6-774A2D961B6A}" type="datetimeFigureOut">
               <a:rPr lang="es-ES" smtClean="0"/>
-              <a:t>4/5/20</a:t>
+              <a:t>6/5/20</a:t>
             </a:fld>
             <a:endParaRPr lang="en-GB"/>
           </a:p>
@@ -2696,7 +2696,7 @@
           <a:p>
             <a:fld id="{C3ECEC92-9615-BC4F-94B6-774A2D961B6A}" type="datetimeFigureOut">
               <a:rPr lang="es-ES" smtClean="0"/>
-              <a:t>4/5/20</a:t>
+              <a:t>6/5/20</a:t>
             </a:fld>
             <a:endParaRPr lang="en-GB"/>
           </a:p>
@@ -2971,7 +2971,7 @@
           <a:p>
             <a:fld id="{C3ECEC92-9615-BC4F-94B6-774A2D961B6A}" type="datetimeFigureOut">
               <a:rPr lang="es-ES" smtClean="0"/>
-              <a:t>4/5/20</a:t>
+              <a:t>6/5/20</a:t>
             </a:fld>
             <a:endParaRPr lang="en-GB"/>
           </a:p>
@@ -3223,7 +3223,7 @@
           <a:p>
             <a:fld id="{C3ECEC92-9615-BC4F-94B6-774A2D961B6A}" type="datetimeFigureOut">
               <a:rPr lang="es-ES" smtClean="0"/>
-              <a:t>4/5/20</a:t>
+              <a:t>6/5/20</a:t>
             </a:fld>
             <a:endParaRPr lang="en-GB"/>
           </a:p>
@@ -3434,7 +3434,7 @@
           <a:p>
             <a:fld id="{C3ECEC92-9615-BC4F-94B6-774A2D961B6A}" type="datetimeFigureOut">
               <a:rPr lang="es-ES" smtClean="0"/>
-              <a:t>4/5/20</a:t>
+              <a:t>6/5/20</a:t>
             </a:fld>
             <a:endParaRPr lang="en-GB"/>
           </a:p>

--- a/DOT-HUB_toolbox_Structure.pptx
+++ b/DOT-HUB_toolbox_Structure.pptx
@@ -5,13 +5,14 @@
     <p:sldMasterId id="2147483648" r:id="rId1"/>
   </p:sldMasterIdLst>
   <p:notesMasterIdLst>
-    <p:notesMasterId r:id="rId6"/>
+    <p:notesMasterId r:id="rId7"/>
   </p:notesMasterIdLst>
   <p:sldIdLst>
     <p:sldId id="260" r:id="rId2"/>
     <p:sldId id="265" r:id="rId3"/>
-    <p:sldId id="263" r:id="rId4"/>
-    <p:sldId id="264" r:id="rId5"/>
+    <p:sldId id="266" r:id="rId4"/>
+    <p:sldId id="263" r:id="rId5"/>
+    <p:sldId id="264" r:id="rId6"/>
   </p:sldIdLst>
   <p:sldSz cx="28800425" cy="21599525"/>
   <p:notesSz cx="6858000" cy="9144000"/>
@@ -214,7 +215,7 @@
           <a:p>
             <a:fld id="{6F7A0A24-292E-364C-B33E-0BB1C90B01E1}" type="datetimeFigureOut">
               <a:rPr lang="en-US" smtClean="0"/>
-              <a:t>5/6/20</a:t>
+              <a:t>5/13/20</a:t>
             </a:fld>
             <a:endParaRPr lang="en-US"/>
           </a:p>
@@ -738,7 +739,7 @@
     </p:spTree>
     <p:extLst>
       <p:ext uri="{BB962C8B-B14F-4D97-AF65-F5344CB8AC3E}">
-        <p14:creationId xmlns:p14="http://schemas.microsoft.com/office/powerpoint/2010/main" val="929375682"/>
+        <p14:creationId xmlns:p14="http://schemas.microsoft.com/office/powerpoint/2010/main" val="3767339171"/>
       </p:ext>
     </p:extLst>
   </p:cSld>
@@ -819,6 +820,95 @@
             <a:fld id="{82356B73-D625-B54F-940D-468597827607}" type="slidenum">
               <a:rPr lang="en-US" smtClean="0"/>
               <a:t>4</a:t>
+            </a:fld>
+            <a:endParaRPr lang="en-US"/>
+          </a:p>
+        </p:txBody>
+      </p:sp>
+    </p:spTree>
+    <p:extLst>
+      <p:ext uri="{BB962C8B-B14F-4D97-AF65-F5344CB8AC3E}">
+        <p14:creationId xmlns:p14="http://schemas.microsoft.com/office/powerpoint/2010/main" val="929375682"/>
+      </p:ext>
+    </p:extLst>
+  </p:cSld>
+  <p:clrMapOvr>
+    <a:masterClrMapping/>
+  </p:clrMapOvr>
+</p:notes>
+</file>
+
+<file path=ppt/notesSlides/notesSlide5.xml><?xml version="1.0" encoding="utf-8"?>
+<p:notes xmlns:a="http://schemas.openxmlformats.org/drawingml/2006/main" xmlns:r="http://schemas.openxmlformats.org/officeDocument/2006/relationships" xmlns:p="http://schemas.openxmlformats.org/presentationml/2006/main">
+  <p:cSld>
+    <p:spTree>
+      <p:nvGrpSpPr>
+        <p:cNvPr id="1" name=""/>
+        <p:cNvGrpSpPr/>
+        <p:nvPr/>
+      </p:nvGrpSpPr>
+      <p:grpSpPr>
+        <a:xfrm>
+          <a:off x="0" y="0"/>
+          <a:ext cx="0" cy="0"/>
+          <a:chOff x="0" y="0"/>
+          <a:chExt cx="0" cy="0"/>
+        </a:xfrm>
+      </p:grpSpPr>
+      <p:sp>
+        <p:nvSpPr>
+          <p:cNvPr id="2" name="Slide Image Placeholder 1"/>
+          <p:cNvSpPr>
+            <a:spLocks noGrp="1" noRot="1" noChangeAspect="1"/>
+          </p:cNvSpPr>
+          <p:nvPr>
+            <p:ph type="sldImg"/>
+          </p:nvPr>
+        </p:nvSpPr>
+        <p:spPr>
+          <a:xfrm>
+            <a:off x="1371600" y="1143000"/>
+            <a:ext cx="4114800" cy="3086100"/>
+          </a:xfrm>
+        </p:spPr>
+      </p:sp>
+      <p:sp>
+        <p:nvSpPr>
+          <p:cNvPr id="3" name="Notes Placeholder 2"/>
+          <p:cNvSpPr>
+            <a:spLocks noGrp="1"/>
+          </p:cNvSpPr>
+          <p:nvPr>
+            <p:ph type="body" idx="1"/>
+          </p:nvPr>
+        </p:nvSpPr>
+        <p:spPr/>
+        <p:txBody>
+          <a:bodyPr/>
+          <a:lstStyle/>
+          <a:p>
+            <a:endParaRPr lang="en-US" dirty="0"/>
+          </a:p>
+        </p:txBody>
+      </p:sp>
+      <p:sp>
+        <p:nvSpPr>
+          <p:cNvPr id="4" name="Slide Number Placeholder 3"/>
+          <p:cNvSpPr>
+            <a:spLocks noGrp="1"/>
+          </p:cNvSpPr>
+          <p:nvPr>
+            <p:ph type="sldNum" sz="quarter" idx="5"/>
+          </p:nvPr>
+        </p:nvSpPr>
+        <p:spPr/>
+        <p:txBody>
+          <a:bodyPr/>
+          <a:lstStyle/>
+          <a:p>
+            <a:fld id="{82356B73-D625-B54F-940D-468597827607}" type="slidenum">
+              <a:rPr lang="en-US" smtClean="0"/>
+              <a:t>5</a:t>
             </a:fld>
             <a:endParaRPr lang="en-US"/>
           </a:p>
@@ -1016,7 +1106,7 @@
           <a:p>
             <a:fld id="{C3ECEC92-9615-BC4F-94B6-774A2D961B6A}" type="datetimeFigureOut">
               <a:rPr lang="es-ES" smtClean="0"/>
-              <a:t>6/5/20</a:t>
+              <a:t>13/5/20</a:t>
             </a:fld>
             <a:endParaRPr lang="en-GB"/>
           </a:p>
@@ -1184,7 +1274,7 @@
           <a:p>
             <a:fld id="{C3ECEC92-9615-BC4F-94B6-774A2D961B6A}" type="datetimeFigureOut">
               <a:rPr lang="es-ES" smtClean="0"/>
-              <a:t>6/5/20</a:t>
+              <a:t>13/5/20</a:t>
             </a:fld>
             <a:endParaRPr lang="en-GB"/>
           </a:p>
@@ -1362,7 +1452,7 @@
           <a:p>
             <a:fld id="{C3ECEC92-9615-BC4F-94B6-774A2D961B6A}" type="datetimeFigureOut">
               <a:rPr lang="es-ES" smtClean="0"/>
-              <a:t>6/5/20</a:t>
+              <a:t>13/5/20</a:t>
             </a:fld>
             <a:endParaRPr lang="en-GB"/>
           </a:p>
@@ -1530,7 +1620,7 @@
           <a:p>
             <a:fld id="{C3ECEC92-9615-BC4F-94B6-774A2D961B6A}" type="datetimeFigureOut">
               <a:rPr lang="es-ES" smtClean="0"/>
-              <a:t>6/5/20</a:t>
+              <a:t>13/5/20</a:t>
             </a:fld>
             <a:endParaRPr lang="en-GB"/>
           </a:p>
@@ -1775,7 +1865,7 @@
           <a:p>
             <a:fld id="{C3ECEC92-9615-BC4F-94B6-774A2D961B6A}" type="datetimeFigureOut">
               <a:rPr lang="es-ES" smtClean="0"/>
-              <a:t>6/5/20</a:t>
+              <a:t>13/5/20</a:t>
             </a:fld>
             <a:endParaRPr lang="en-GB"/>
           </a:p>
@@ -2060,7 +2150,7 @@
           <a:p>
             <a:fld id="{C3ECEC92-9615-BC4F-94B6-774A2D961B6A}" type="datetimeFigureOut">
               <a:rPr lang="es-ES" smtClean="0"/>
-              <a:t>6/5/20</a:t>
+              <a:t>13/5/20</a:t>
             </a:fld>
             <a:endParaRPr lang="en-GB"/>
           </a:p>
@@ -2484,7 +2574,7 @@
           <a:p>
             <a:fld id="{C3ECEC92-9615-BC4F-94B6-774A2D961B6A}" type="datetimeFigureOut">
               <a:rPr lang="es-ES" smtClean="0"/>
-              <a:t>6/5/20</a:t>
+              <a:t>13/5/20</a:t>
             </a:fld>
             <a:endParaRPr lang="en-GB"/>
           </a:p>
@@ -2601,7 +2691,7 @@
           <a:p>
             <a:fld id="{C3ECEC92-9615-BC4F-94B6-774A2D961B6A}" type="datetimeFigureOut">
               <a:rPr lang="es-ES" smtClean="0"/>
-              <a:t>6/5/20</a:t>
+              <a:t>13/5/20</a:t>
             </a:fld>
             <a:endParaRPr lang="en-GB"/>
           </a:p>
@@ -2696,7 +2786,7 @@
           <a:p>
             <a:fld id="{C3ECEC92-9615-BC4F-94B6-774A2D961B6A}" type="datetimeFigureOut">
               <a:rPr lang="es-ES" smtClean="0"/>
-              <a:t>6/5/20</a:t>
+              <a:t>13/5/20</a:t>
             </a:fld>
             <a:endParaRPr lang="en-GB"/>
           </a:p>
@@ -2971,7 +3061,7 @@
           <a:p>
             <a:fld id="{C3ECEC92-9615-BC4F-94B6-774A2D961B6A}" type="datetimeFigureOut">
               <a:rPr lang="es-ES" smtClean="0"/>
-              <a:t>6/5/20</a:t>
+              <a:t>13/5/20</a:t>
             </a:fld>
             <a:endParaRPr lang="en-GB"/>
           </a:p>
@@ -3223,7 +3313,7 @@
           <a:p>
             <a:fld id="{C3ECEC92-9615-BC4F-94B6-774A2D961B6A}" type="datetimeFigureOut">
               <a:rPr lang="es-ES" smtClean="0"/>
-              <a:t>6/5/20</a:t>
+              <a:t>13/5/20</a:t>
             </a:fld>
             <a:endParaRPr lang="en-GB"/>
           </a:p>
@@ -3434,7 +3524,7 @@
           <a:p>
             <a:fld id="{C3ECEC92-9615-BC4F-94B6-774A2D961B6A}" type="datetimeFigureOut">
               <a:rPr lang="es-ES" smtClean="0"/>
-              <a:t>6/5/20</a:t>
+              <a:t>13/5/20</a:t>
             </a:fld>
             <a:endParaRPr lang="en-GB"/>
           </a:p>
@@ -13881,6 +13971,2726 @@
       </p:sp>
       <p:sp>
         <p:nvSpPr>
+          <p:cNvPr id="106" name="Rectangle 105">
+            <a:extLst>
+              <a:ext uri="{FF2B5EF4-FFF2-40B4-BE49-F238E27FC236}">
+                <a16:creationId xmlns:a16="http://schemas.microsoft.com/office/drawing/2014/main" id="{C78A6A52-E8C3-6141-BB87-C27E8239AA11}"/>
+              </a:ext>
+            </a:extLst>
+          </p:cNvPr>
+          <p:cNvSpPr/>
+          <p:nvPr/>
+        </p:nvSpPr>
+        <p:spPr>
+          <a:xfrm>
+            <a:off x="14305280" y="4320621"/>
+            <a:ext cx="4348480" cy="1090486"/>
+          </a:xfrm>
+          <a:prstGeom prst="rect">
+            <a:avLst/>
+          </a:prstGeom>
+          <a:noFill/>
+          <a:ln w="38100">
+            <a:solidFill>
+              <a:schemeClr val="tx2">
+                <a:lumMod val="50000"/>
+              </a:schemeClr>
+            </a:solidFill>
+            <a:prstDash val="solid"/>
+          </a:ln>
+          <a:effectLst/>
+        </p:spPr>
+        <p:style>
+          <a:lnRef idx="1">
+            <a:schemeClr val="accent1"/>
+          </a:lnRef>
+          <a:fillRef idx="3">
+            <a:schemeClr val="accent1"/>
+          </a:fillRef>
+          <a:effectRef idx="2">
+            <a:schemeClr val="accent1"/>
+          </a:effectRef>
+          <a:fontRef idx="minor">
+            <a:schemeClr val="lt1"/>
+          </a:fontRef>
+        </p:style>
+        <p:txBody>
+          <a:bodyPr rtlCol="0" anchor="ctr"/>
+          <a:lstStyle/>
+          <a:p>
+            <a:pPr algn="ctr"/>
+            <a:r>
+              <a:rPr lang="en-US" sz="1400" b="1" dirty="0">
+                <a:solidFill>
+                  <a:schemeClr val="tx1"/>
+                </a:solidFill>
+              </a:rPr>
+              <a:t>Subject .</a:t>
+            </a:r>
+            <a:r>
+              <a:rPr lang="en-US" sz="1400" b="1" dirty="0" err="1">
+                <a:solidFill>
+                  <a:schemeClr val="tx1"/>
+                </a:solidFill>
+              </a:rPr>
+              <a:t>mshs</a:t>
+            </a:r>
+            <a:br>
+              <a:rPr lang="en-US" sz="1400" dirty="0">
+                <a:solidFill>
+                  <a:schemeClr val="tx1"/>
+                </a:solidFill>
+              </a:rPr>
+            </a:br>
+            <a:r>
+              <a:rPr lang="en-US" sz="1200" dirty="0" err="1">
+                <a:solidFill>
+                  <a:schemeClr val="tx1"/>
+                </a:solidFill>
+              </a:rPr>
+              <a:t>HeadVolumeMesh</a:t>
+            </a:r>
+            <a:r>
+              <a:rPr lang="en-US" sz="1200" dirty="0">
+                <a:solidFill>
+                  <a:schemeClr val="tx1"/>
+                </a:solidFill>
+              </a:rPr>
+              <a:t>, </a:t>
+            </a:r>
+            <a:r>
+              <a:rPr lang="en-US" sz="1200" dirty="0" err="1">
+                <a:solidFill>
+                  <a:schemeClr val="tx1"/>
+                </a:solidFill>
+              </a:rPr>
+              <a:t>GMSurfaceMesh</a:t>
+            </a:r>
+            <a:r>
+              <a:rPr lang="en-US" sz="1200" dirty="0">
+                <a:solidFill>
+                  <a:schemeClr val="tx1"/>
+                </a:solidFill>
+              </a:rPr>
+              <a:t>, </a:t>
+            </a:r>
+            <a:r>
+              <a:rPr lang="en-US" sz="1200" dirty="0" err="1">
+                <a:solidFill>
+                  <a:schemeClr val="tx1"/>
+                </a:solidFill>
+              </a:rPr>
+              <a:t>ScalpSurfaceMesh</a:t>
+            </a:r>
+            <a:r>
+              <a:rPr lang="en-US" sz="1200" dirty="0">
+                <a:solidFill>
+                  <a:schemeClr val="tx1"/>
+                </a:solidFill>
+              </a:rPr>
+              <a:t>, </a:t>
+            </a:r>
+            <a:r>
+              <a:rPr lang="en-US" sz="1200" dirty="0" err="1">
+                <a:solidFill>
+                  <a:schemeClr val="tx1"/>
+                </a:solidFill>
+              </a:rPr>
+              <a:t>lh.pial</a:t>
+            </a:r>
+            <a:r>
+              <a:rPr lang="en-US" sz="1200" dirty="0">
+                <a:solidFill>
+                  <a:schemeClr val="tx1"/>
+                </a:solidFill>
+              </a:rPr>
+              <a:t>, </a:t>
+            </a:r>
+            <a:r>
+              <a:rPr lang="en-US" sz="1200" dirty="0" err="1">
+                <a:solidFill>
+                  <a:schemeClr val="tx1"/>
+                </a:solidFill>
+              </a:rPr>
+              <a:t>rh.pial</a:t>
+            </a:r>
+            <a:r>
+              <a:rPr lang="en-US" sz="1200" dirty="0">
+                <a:solidFill>
+                  <a:schemeClr val="tx1"/>
+                </a:solidFill>
+              </a:rPr>
+              <a:t>, </a:t>
+            </a:r>
+            <a:r>
+              <a:rPr lang="en-US" sz="1200" dirty="0" err="1">
+                <a:solidFill>
+                  <a:schemeClr val="tx1"/>
+                </a:solidFill>
+              </a:rPr>
+              <a:t>lh.sphere</a:t>
+            </a:r>
+            <a:r>
+              <a:rPr lang="en-US" sz="1200" dirty="0">
+                <a:solidFill>
+                  <a:schemeClr val="tx1"/>
+                </a:solidFill>
+              </a:rPr>
+              <a:t>, </a:t>
+            </a:r>
+            <a:r>
+              <a:rPr lang="en-US" sz="1200" dirty="0" err="1">
+                <a:solidFill>
+                  <a:schemeClr val="tx1"/>
+                </a:solidFill>
+              </a:rPr>
+              <a:t>rh.sphere</a:t>
+            </a:r>
+            <a:r>
+              <a:rPr lang="en-US" sz="1200" dirty="0">
+                <a:solidFill>
+                  <a:schemeClr val="tx1"/>
+                </a:solidFill>
+              </a:rPr>
+              <a:t>, landmarks, vol2gm</a:t>
+            </a:r>
+          </a:p>
+          <a:p>
+            <a:pPr algn="ctr"/>
+            <a:endParaRPr lang="en-US" sz="1000" dirty="0">
+              <a:solidFill>
+                <a:schemeClr val="tx1"/>
+              </a:solidFill>
+            </a:endParaRPr>
+          </a:p>
+        </p:txBody>
+      </p:sp>
+      <p:cxnSp>
+        <p:nvCxnSpPr>
+          <p:cNvPr id="115" name="Straight Arrow Connector 114">
+            <a:extLst>
+              <a:ext uri="{FF2B5EF4-FFF2-40B4-BE49-F238E27FC236}">
+                <a16:creationId xmlns:a16="http://schemas.microsoft.com/office/drawing/2014/main" id="{A4D88794-220D-2D4D-B45C-D10D49A273DE}"/>
+              </a:ext>
+            </a:extLst>
+          </p:cNvPr>
+          <p:cNvCxnSpPr>
+            <a:cxnSpLocks/>
+            <a:stCxn id="14" idx="3"/>
+            <a:endCxn id="52" idx="1"/>
+          </p:cNvCxnSpPr>
+          <p:nvPr/>
+        </p:nvCxnSpPr>
+        <p:spPr>
+          <a:xfrm>
+            <a:off x="10380005" y="8748498"/>
+            <a:ext cx="687281" cy="0"/>
+          </a:xfrm>
+          <a:prstGeom prst="straightConnector1">
+            <a:avLst/>
+          </a:prstGeom>
+          <a:ln>
+            <a:tailEnd type="triangle"/>
+          </a:ln>
+          <a:effectLst/>
+        </p:spPr>
+        <p:style>
+          <a:lnRef idx="2">
+            <a:schemeClr val="accent1"/>
+          </a:lnRef>
+          <a:fillRef idx="0">
+            <a:schemeClr val="accent1"/>
+          </a:fillRef>
+          <a:effectRef idx="1">
+            <a:schemeClr val="accent1"/>
+          </a:effectRef>
+          <a:fontRef idx="minor">
+            <a:schemeClr val="tx1"/>
+          </a:fontRef>
+        </p:style>
+      </p:cxnSp>
+      <p:sp>
+        <p:nvSpPr>
+          <p:cNvPr id="38" name="Rectangle 37">
+            <a:extLst>
+              <a:ext uri="{FF2B5EF4-FFF2-40B4-BE49-F238E27FC236}">
+                <a16:creationId xmlns:a16="http://schemas.microsoft.com/office/drawing/2014/main" id="{B937E4B4-AD30-1945-99A2-B39BE460E0F0}"/>
+              </a:ext>
+            </a:extLst>
+          </p:cNvPr>
+          <p:cNvSpPr/>
+          <p:nvPr/>
+        </p:nvSpPr>
+        <p:spPr>
+          <a:xfrm>
+            <a:off x="207282" y="117479"/>
+            <a:ext cx="5608688" cy="1323439"/>
+          </a:xfrm>
+          <a:prstGeom prst="rect">
+            <a:avLst/>
+          </a:prstGeom>
+          <a:effectLst/>
+        </p:spPr>
+        <p:txBody>
+          <a:bodyPr wrap="square">
+            <a:spAutoFit/>
+          </a:bodyPr>
+          <a:lstStyle/>
+          <a:p>
+            <a:r>
+              <a:rPr lang="en-US" sz="2000" b="1" dirty="0"/>
+              <a:t>MRI, Surfaces and Registration</a:t>
+            </a:r>
+          </a:p>
+          <a:p>
+            <a:r>
+              <a:rPr lang="en-US" sz="2000" dirty="0" err="1"/>
+              <a:t>LUMO_toolbox</a:t>
+            </a:r>
+            <a:r>
+              <a:rPr lang="en-US" sz="2000" dirty="0"/>
+              <a:t> (functions in blue)</a:t>
+            </a:r>
+          </a:p>
+          <a:p>
+            <a:r>
+              <a:rPr lang="en-US" sz="2000" dirty="0"/>
+              <a:t>Dashed box = TBD/or externally determined</a:t>
+            </a:r>
+          </a:p>
+          <a:p>
+            <a:r>
+              <a:rPr lang="en-US" sz="2000" dirty="0"/>
+              <a:t>Red box = output for publication</a:t>
+            </a:r>
+          </a:p>
+        </p:txBody>
+      </p:sp>
+      <p:cxnSp>
+        <p:nvCxnSpPr>
+          <p:cNvPr id="54" name="Straight Arrow Connector 53">
+            <a:extLst>
+              <a:ext uri="{FF2B5EF4-FFF2-40B4-BE49-F238E27FC236}">
+                <a16:creationId xmlns:a16="http://schemas.microsoft.com/office/drawing/2014/main" id="{802A754D-873C-8948-8AC3-BF5A31E86972}"/>
+              </a:ext>
+            </a:extLst>
+          </p:cNvPr>
+          <p:cNvCxnSpPr>
+            <a:cxnSpLocks/>
+            <a:stCxn id="52" idx="3"/>
+            <a:endCxn id="16" idx="1"/>
+          </p:cNvCxnSpPr>
+          <p:nvPr/>
+        </p:nvCxnSpPr>
+        <p:spPr>
+          <a:xfrm>
+            <a:off x="13331335" y="8748498"/>
+            <a:ext cx="1460151" cy="2276"/>
+          </a:xfrm>
+          <a:prstGeom prst="straightConnector1">
+            <a:avLst/>
+          </a:prstGeom>
+          <a:ln>
+            <a:tailEnd type="triangle"/>
+          </a:ln>
+          <a:effectLst/>
+        </p:spPr>
+        <p:style>
+          <a:lnRef idx="2">
+            <a:schemeClr val="accent1"/>
+          </a:lnRef>
+          <a:fillRef idx="0">
+            <a:schemeClr val="accent1"/>
+          </a:fillRef>
+          <a:effectRef idx="1">
+            <a:schemeClr val="accent1"/>
+          </a:effectRef>
+          <a:fontRef idx="minor">
+            <a:schemeClr val="tx1"/>
+          </a:fontRef>
+        </p:style>
+      </p:cxnSp>
+      <p:cxnSp>
+        <p:nvCxnSpPr>
+          <p:cNvPr id="148" name="Straight Arrow Connector 147">
+            <a:extLst>
+              <a:ext uri="{FF2B5EF4-FFF2-40B4-BE49-F238E27FC236}">
+                <a16:creationId xmlns:a16="http://schemas.microsoft.com/office/drawing/2014/main" id="{7B1373C3-6D13-E540-929C-1B4D3B26C340}"/>
+              </a:ext>
+            </a:extLst>
+          </p:cNvPr>
+          <p:cNvCxnSpPr>
+            <a:cxnSpLocks/>
+            <a:stCxn id="143" idx="3"/>
+            <a:endCxn id="400" idx="1"/>
+          </p:cNvCxnSpPr>
+          <p:nvPr/>
+        </p:nvCxnSpPr>
+        <p:spPr>
+          <a:xfrm flipV="1">
+            <a:off x="13311528" y="14860903"/>
+            <a:ext cx="1782848" cy="1"/>
+          </a:xfrm>
+          <a:prstGeom prst="straightConnector1">
+            <a:avLst/>
+          </a:prstGeom>
+          <a:ln>
+            <a:tailEnd type="triangle"/>
+          </a:ln>
+          <a:effectLst/>
+        </p:spPr>
+        <p:style>
+          <a:lnRef idx="2">
+            <a:schemeClr val="accent1"/>
+          </a:lnRef>
+          <a:fillRef idx="0">
+            <a:schemeClr val="accent1"/>
+          </a:fillRef>
+          <a:effectRef idx="1">
+            <a:schemeClr val="accent1"/>
+          </a:effectRef>
+          <a:fontRef idx="minor">
+            <a:schemeClr val="tx1"/>
+          </a:fontRef>
+        </p:style>
+      </p:cxnSp>
+      <p:cxnSp>
+        <p:nvCxnSpPr>
+          <p:cNvPr id="167" name="Elbow Connector 166">
+            <a:extLst>
+              <a:ext uri="{FF2B5EF4-FFF2-40B4-BE49-F238E27FC236}">
+                <a16:creationId xmlns:a16="http://schemas.microsoft.com/office/drawing/2014/main" id="{B3BA362D-57A2-F940-BDE5-DCC2EE8971F8}"/>
+              </a:ext>
+            </a:extLst>
+          </p:cNvPr>
+          <p:cNvCxnSpPr>
+            <a:cxnSpLocks/>
+            <a:stCxn id="155" idx="2"/>
+          </p:cNvCxnSpPr>
+          <p:nvPr/>
+        </p:nvCxnSpPr>
+        <p:spPr>
+          <a:xfrm rot="16200000" flipH="1">
+            <a:off x="9809901" y="13274875"/>
+            <a:ext cx="644196" cy="1799465"/>
+          </a:xfrm>
+          <a:prstGeom prst="bentConnector2">
+            <a:avLst/>
+          </a:prstGeom>
+          <a:ln>
+            <a:tailEnd type="triangle"/>
+          </a:ln>
+          <a:effectLst/>
+        </p:spPr>
+        <p:style>
+          <a:lnRef idx="2">
+            <a:schemeClr val="accent1"/>
+          </a:lnRef>
+          <a:fillRef idx="0">
+            <a:schemeClr val="accent1"/>
+          </a:fillRef>
+          <a:effectRef idx="1">
+            <a:schemeClr val="accent1"/>
+          </a:effectRef>
+          <a:fontRef idx="minor">
+            <a:schemeClr val="tx1"/>
+          </a:fontRef>
+        </p:style>
+      </p:cxnSp>
+      <p:sp>
+        <p:nvSpPr>
+          <p:cNvPr id="236" name="Rectangle 235">
+            <a:extLst>
+              <a:ext uri="{FF2B5EF4-FFF2-40B4-BE49-F238E27FC236}">
+                <a16:creationId xmlns:a16="http://schemas.microsoft.com/office/drawing/2014/main" id="{622AD786-64B0-F34B-A452-64B6590C5E38}"/>
+              </a:ext>
+            </a:extLst>
+          </p:cNvPr>
+          <p:cNvSpPr/>
+          <p:nvPr/>
+        </p:nvSpPr>
+        <p:spPr>
+          <a:xfrm>
+            <a:off x="5532122" y="610129"/>
+            <a:ext cx="7594598" cy="4798702"/>
+          </a:xfrm>
+          <a:prstGeom prst="rect">
+            <a:avLst/>
+          </a:prstGeom>
+          <a:noFill/>
+          <a:ln w="28575">
+            <a:solidFill>
+              <a:schemeClr val="bg1">
+                <a:lumMod val="65000"/>
+              </a:schemeClr>
+            </a:solidFill>
+            <a:prstDash val="dash"/>
+          </a:ln>
+          <a:effectLst/>
+        </p:spPr>
+        <p:style>
+          <a:lnRef idx="1">
+            <a:schemeClr val="accent1"/>
+          </a:lnRef>
+          <a:fillRef idx="3">
+            <a:schemeClr val="accent1"/>
+          </a:fillRef>
+          <a:effectRef idx="2">
+            <a:schemeClr val="accent1"/>
+          </a:effectRef>
+          <a:fontRef idx="minor">
+            <a:schemeClr val="lt1"/>
+          </a:fontRef>
+        </p:style>
+        <p:txBody>
+          <a:bodyPr rtlCol="0" anchor="t"/>
+          <a:lstStyle/>
+          <a:p>
+            <a:pPr algn="ctr"/>
+            <a:endParaRPr lang="en-US" sz="1200" dirty="0">
+              <a:solidFill>
+                <a:schemeClr val="tx1"/>
+              </a:solidFill>
+            </a:endParaRPr>
+          </a:p>
+        </p:txBody>
+      </p:sp>
+      <p:sp>
+        <p:nvSpPr>
+          <p:cNvPr id="237" name="Rectangle 236">
+            <a:extLst>
+              <a:ext uri="{FF2B5EF4-FFF2-40B4-BE49-F238E27FC236}">
+                <a16:creationId xmlns:a16="http://schemas.microsoft.com/office/drawing/2014/main" id="{DD1E1304-FDA0-8E44-A742-EA7D6D1F4D50}"/>
+              </a:ext>
+            </a:extLst>
+          </p:cNvPr>
+          <p:cNvSpPr/>
+          <p:nvPr/>
+        </p:nvSpPr>
+        <p:spPr>
+          <a:xfrm>
+            <a:off x="5532122" y="727592"/>
+            <a:ext cx="7594598" cy="400110"/>
+          </a:xfrm>
+          <a:prstGeom prst="rect">
+            <a:avLst/>
+          </a:prstGeom>
+          <a:effectLst/>
+        </p:spPr>
+        <p:txBody>
+          <a:bodyPr wrap="square">
+            <a:spAutoFit/>
+          </a:bodyPr>
+          <a:lstStyle/>
+          <a:p>
+            <a:pPr algn="ctr"/>
+            <a:r>
+              <a:rPr lang="en-US" sz="2000" b="1" u="sng" dirty="0"/>
+              <a:t>Mesh Creation</a:t>
+            </a:r>
+          </a:p>
+        </p:txBody>
+      </p:sp>
+      <p:sp>
+        <p:nvSpPr>
+          <p:cNvPr id="14" name="Rectangle 13">
+            <a:extLst>
+              <a:ext uri="{FF2B5EF4-FFF2-40B4-BE49-F238E27FC236}">
+                <a16:creationId xmlns:a16="http://schemas.microsoft.com/office/drawing/2014/main" id="{0FD7C875-650F-9E46-86F2-55821149E728}"/>
+              </a:ext>
+            </a:extLst>
+          </p:cNvPr>
+          <p:cNvSpPr/>
+          <p:nvPr/>
+        </p:nvSpPr>
+        <p:spPr>
+          <a:xfrm>
+            <a:off x="8115956" y="8561241"/>
+            <a:ext cx="2264049" cy="374514"/>
+          </a:xfrm>
+          <a:prstGeom prst="rect">
+            <a:avLst/>
+          </a:prstGeom>
+          <a:solidFill>
+            <a:srgbClr val="92D050"/>
+          </a:solidFill>
+          <a:effectLst/>
+        </p:spPr>
+        <p:style>
+          <a:lnRef idx="1">
+            <a:schemeClr val="accent1"/>
+          </a:lnRef>
+          <a:fillRef idx="3">
+            <a:schemeClr val="accent1"/>
+          </a:fillRef>
+          <a:effectRef idx="2">
+            <a:schemeClr val="accent1"/>
+          </a:effectRef>
+          <a:fontRef idx="minor">
+            <a:schemeClr val="lt1"/>
+          </a:fontRef>
+        </p:style>
+        <p:txBody>
+          <a:bodyPr rtlCol="0" anchor="ctr"/>
+          <a:lstStyle/>
+          <a:p>
+            <a:pPr algn="ctr"/>
+            <a:r>
+              <a:rPr lang="en-US" sz="1200" b="1" dirty="0" err="1">
+                <a:solidFill>
+                  <a:schemeClr val="tx1"/>
+                </a:solidFill>
+              </a:rPr>
+              <a:t>DOTHUB_meshRegistration</a:t>
+            </a:r>
+            <a:endParaRPr lang="en-US" sz="1200" b="1" dirty="0">
+              <a:solidFill>
+                <a:schemeClr val="tx1"/>
+              </a:solidFill>
+            </a:endParaRPr>
+          </a:p>
+        </p:txBody>
+      </p:sp>
+      <p:sp>
+        <p:nvSpPr>
+          <p:cNvPr id="16" name="Rectangle 15">
+            <a:extLst>
+              <a:ext uri="{FF2B5EF4-FFF2-40B4-BE49-F238E27FC236}">
+                <a16:creationId xmlns:a16="http://schemas.microsoft.com/office/drawing/2014/main" id="{5CC74E35-B0E4-1541-AF56-781EDC7735EA}"/>
+              </a:ext>
+            </a:extLst>
+          </p:cNvPr>
+          <p:cNvSpPr/>
+          <p:nvPr/>
+        </p:nvSpPr>
+        <p:spPr>
+          <a:xfrm>
+            <a:off x="14791486" y="8389136"/>
+            <a:ext cx="3108479" cy="723275"/>
+          </a:xfrm>
+          <a:prstGeom prst="rect">
+            <a:avLst/>
+          </a:prstGeom>
+          <a:noFill/>
+          <a:ln w="38100">
+            <a:solidFill>
+              <a:srgbClr val="002060"/>
+            </a:solidFill>
+          </a:ln>
+          <a:effectLst/>
+        </p:spPr>
+        <p:txBody>
+          <a:bodyPr wrap="square">
+            <a:spAutoFit/>
+          </a:bodyPr>
+          <a:lstStyle/>
+          <a:p>
+            <a:pPr algn="ctr"/>
+            <a:r>
+              <a:rPr lang="en-US" sz="1400" dirty="0"/>
+              <a:t>.rmap</a:t>
+            </a:r>
+          </a:p>
+          <a:p>
+            <a:pPr algn="ctr"/>
+            <a:r>
+              <a:rPr lang="en-US" sz="900" dirty="0"/>
+              <a:t>(</a:t>
+            </a:r>
+            <a:r>
+              <a:rPr lang="en-US" sz="900" dirty="0" err="1"/>
+              <a:t>reg</a:t>
+            </a:r>
+            <a:r>
+              <a:rPr lang="en-US" sz="900" dirty="0"/>
+              <a:t> </a:t>
+            </a:r>
+            <a:r>
+              <a:rPr lang="en-US" sz="900" dirty="0" err="1"/>
+              <a:t>vol</a:t>
+            </a:r>
+            <a:r>
+              <a:rPr lang="en-US" sz="900" dirty="0"/>
+              <a:t> mesh, </a:t>
+            </a:r>
+            <a:r>
+              <a:rPr lang="en-US" sz="900" dirty="0" err="1"/>
+              <a:t>reg</a:t>
+            </a:r>
+            <a:r>
+              <a:rPr lang="en-US" sz="900" dirty="0"/>
+              <a:t> gm mesh, </a:t>
+            </a:r>
+            <a:r>
+              <a:rPr lang="en-US" sz="900" dirty="0" err="1"/>
+              <a:t>reg</a:t>
+            </a:r>
+            <a:r>
+              <a:rPr lang="en-US" sz="900" dirty="0"/>
+              <a:t> scalp surface mesh, source </a:t>
+            </a:r>
+            <a:r>
+              <a:rPr lang="en-US" sz="900" dirty="0" err="1"/>
+              <a:t>pos</a:t>
+            </a:r>
+            <a:r>
+              <a:rPr lang="en-US" sz="900" dirty="0"/>
+              <a:t> (on mesh), </a:t>
+            </a:r>
+          </a:p>
+          <a:p>
+            <a:pPr algn="ctr"/>
+            <a:r>
+              <a:rPr lang="en-US" sz="900" dirty="0"/>
+              <a:t>detector </a:t>
+            </a:r>
+            <a:r>
+              <a:rPr lang="en-US" sz="900" dirty="0" err="1"/>
+              <a:t>pos</a:t>
+            </a:r>
+            <a:r>
+              <a:rPr lang="en-US" sz="900" dirty="0"/>
+              <a:t> (on mesh), vol2gm)</a:t>
+            </a:r>
+          </a:p>
+        </p:txBody>
+      </p:sp>
+      <p:sp>
+        <p:nvSpPr>
+          <p:cNvPr id="205" name="Rectangle 204">
+            <a:extLst>
+              <a:ext uri="{FF2B5EF4-FFF2-40B4-BE49-F238E27FC236}">
+                <a16:creationId xmlns:a16="http://schemas.microsoft.com/office/drawing/2014/main" id="{A834D240-EF46-D248-A990-0A53B4668541}"/>
+              </a:ext>
+            </a:extLst>
+          </p:cNvPr>
+          <p:cNvSpPr/>
+          <p:nvPr/>
+        </p:nvSpPr>
+        <p:spPr>
+          <a:xfrm>
+            <a:off x="15104242" y="10653203"/>
+            <a:ext cx="2502697" cy="646331"/>
+          </a:xfrm>
+          <a:prstGeom prst="rect">
+            <a:avLst/>
+          </a:prstGeom>
+          <a:noFill/>
+          <a:ln w="38100">
+            <a:solidFill>
+              <a:schemeClr val="tx2">
+                <a:lumMod val="50000"/>
+              </a:schemeClr>
+            </a:solidFill>
+          </a:ln>
+          <a:effectLst/>
+        </p:spPr>
+        <p:txBody>
+          <a:bodyPr wrap="square">
+            <a:spAutoFit/>
+          </a:bodyPr>
+          <a:lstStyle/>
+          <a:p>
+            <a:pPr algn="ctr"/>
+            <a:r>
+              <a:rPr lang="en-US" sz="1400" dirty="0"/>
+              <a:t>.</a:t>
+            </a:r>
+            <a:r>
+              <a:rPr lang="en-US" sz="1400" dirty="0" err="1"/>
+              <a:t>dotimg</a:t>
+            </a:r>
+            <a:endParaRPr lang="en-US" sz="1400" dirty="0"/>
+          </a:p>
+          <a:p>
+            <a:pPr algn="ctr"/>
+            <a:r>
+              <a:rPr lang="en-US" sz="1100" dirty="0"/>
+              <a:t>(</a:t>
+            </a:r>
+            <a:r>
+              <a:rPr lang="en-US" sz="1100" dirty="0" err="1"/>
+              <a:t>HbO_vol</a:t>
+            </a:r>
+            <a:r>
+              <a:rPr lang="en-US" sz="1100" dirty="0"/>
+              <a:t>, </a:t>
+            </a:r>
+            <a:r>
+              <a:rPr lang="en-US" sz="1100" dirty="0" err="1"/>
+              <a:t>HbR_vol</a:t>
+            </a:r>
+            <a:r>
+              <a:rPr lang="en-US" sz="1100" dirty="0"/>
+              <a:t>, </a:t>
+            </a:r>
+            <a:r>
+              <a:rPr lang="en-US" sz="1100" dirty="0" err="1"/>
+              <a:t>HbO_GM</a:t>
+            </a:r>
+            <a:r>
+              <a:rPr lang="en-US" sz="1100" dirty="0"/>
+              <a:t>, </a:t>
+            </a:r>
+            <a:r>
+              <a:rPr lang="en-US" sz="1100" dirty="0" err="1"/>
+              <a:t>HbR_GM</a:t>
+            </a:r>
+            <a:r>
+              <a:rPr lang="en-US" sz="1100" dirty="0"/>
+              <a:t>, </a:t>
+            </a:r>
+            <a:r>
+              <a:rPr lang="en-US" sz="1100" dirty="0" err="1"/>
+              <a:t>timebase</a:t>
+            </a:r>
+            <a:r>
+              <a:rPr lang="en-US" sz="1100" dirty="0"/>
+              <a:t>, </a:t>
+            </a:r>
+            <a:r>
+              <a:rPr lang="en-US" sz="1100" dirty="0" err="1"/>
+              <a:t>reconinfo</a:t>
+            </a:r>
+            <a:r>
+              <a:rPr lang="en-US" sz="1100" dirty="0"/>
+              <a:t>)</a:t>
+            </a:r>
+          </a:p>
+        </p:txBody>
+      </p:sp>
+      <p:sp>
+        <p:nvSpPr>
+          <p:cNvPr id="52" name="Rectangle 51">
+            <a:extLst>
+              <a:ext uri="{FF2B5EF4-FFF2-40B4-BE49-F238E27FC236}">
+                <a16:creationId xmlns:a16="http://schemas.microsoft.com/office/drawing/2014/main" id="{098ACC3D-D69F-5042-8749-0E72604C4C8A}"/>
+              </a:ext>
+            </a:extLst>
+          </p:cNvPr>
+          <p:cNvSpPr/>
+          <p:nvPr/>
+        </p:nvSpPr>
+        <p:spPr>
+          <a:xfrm>
+            <a:off x="11067286" y="8561241"/>
+            <a:ext cx="2264049" cy="374514"/>
+          </a:xfrm>
+          <a:prstGeom prst="rect">
+            <a:avLst/>
+          </a:prstGeom>
+          <a:solidFill>
+            <a:srgbClr val="92D050"/>
+          </a:solidFill>
+          <a:effectLst/>
+        </p:spPr>
+        <p:style>
+          <a:lnRef idx="1">
+            <a:schemeClr val="accent1"/>
+          </a:lnRef>
+          <a:fillRef idx="3">
+            <a:schemeClr val="accent1"/>
+          </a:fillRef>
+          <a:effectRef idx="2">
+            <a:schemeClr val="accent1"/>
+          </a:effectRef>
+          <a:fontRef idx="minor">
+            <a:schemeClr val="lt1"/>
+          </a:fontRef>
+        </p:style>
+        <p:txBody>
+          <a:bodyPr rtlCol="0" anchor="ctr"/>
+          <a:lstStyle/>
+          <a:p>
+            <a:pPr algn="ctr"/>
+            <a:r>
+              <a:rPr lang="en-US" sz="1200" b="1" dirty="0" err="1">
+                <a:solidFill>
+                  <a:schemeClr val="tx1"/>
+                </a:solidFill>
+              </a:rPr>
+              <a:t>DOTHUB_writeRMAP</a:t>
+            </a:r>
+            <a:endParaRPr lang="en-US" sz="1200" b="1" dirty="0">
+              <a:solidFill>
+                <a:schemeClr val="tx1"/>
+              </a:solidFill>
+            </a:endParaRPr>
+          </a:p>
+        </p:txBody>
+      </p:sp>
+      <p:sp>
+        <p:nvSpPr>
+          <p:cNvPr id="143" name="Rectangle 142">
+            <a:extLst>
+              <a:ext uri="{FF2B5EF4-FFF2-40B4-BE49-F238E27FC236}">
+                <a16:creationId xmlns:a16="http://schemas.microsoft.com/office/drawing/2014/main" id="{0378780A-5DFA-9442-B6A3-C8EDCE00B00F}"/>
+              </a:ext>
+            </a:extLst>
+          </p:cNvPr>
+          <p:cNvSpPr/>
+          <p:nvPr/>
+        </p:nvSpPr>
+        <p:spPr>
+          <a:xfrm>
+            <a:off x="11020301" y="14317947"/>
+            <a:ext cx="2291227" cy="1085913"/>
+          </a:xfrm>
+          <a:prstGeom prst="rect">
+            <a:avLst/>
+          </a:prstGeom>
+          <a:solidFill>
+            <a:srgbClr val="92D050"/>
+          </a:solidFill>
+          <a:effectLst/>
+        </p:spPr>
+        <p:style>
+          <a:lnRef idx="1">
+            <a:schemeClr val="accent1"/>
+          </a:lnRef>
+          <a:fillRef idx="3">
+            <a:schemeClr val="accent1"/>
+          </a:fillRef>
+          <a:effectRef idx="2">
+            <a:schemeClr val="accent1"/>
+          </a:effectRef>
+          <a:fontRef idx="minor">
+            <a:schemeClr val="lt1"/>
+          </a:fontRef>
+        </p:style>
+        <p:txBody>
+          <a:bodyPr rtlCol="0" anchor="ctr"/>
+          <a:lstStyle/>
+          <a:p>
+            <a:pPr algn="ctr"/>
+            <a:r>
+              <a:rPr lang="en-US" sz="1200" b="1" i="1" dirty="0">
+                <a:solidFill>
+                  <a:schemeClr val="tx1"/>
+                </a:solidFill>
+              </a:rPr>
+              <a:t>DOTHUB Image Plot functions </a:t>
+            </a:r>
+            <a:br>
+              <a:rPr lang="en-US" sz="1200" b="1" dirty="0">
+                <a:solidFill>
+                  <a:schemeClr val="tx1"/>
+                </a:solidFill>
+              </a:rPr>
+            </a:br>
+            <a:r>
+              <a:rPr lang="en-US" sz="1200" b="1" dirty="0" err="1">
+                <a:solidFill>
+                  <a:schemeClr val="tx1"/>
+                </a:solidFill>
+              </a:rPr>
+              <a:t>DOTHUB_displayOnMesh</a:t>
+            </a:r>
+            <a:br>
+              <a:rPr lang="en-US" sz="1200" b="1" dirty="0">
+                <a:solidFill>
+                  <a:schemeClr val="tx1"/>
+                </a:solidFill>
+              </a:rPr>
+            </a:br>
+            <a:r>
+              <a:rPr lang="en-US" sz="1200" b="1" dirty="0" err="1">
+                <a:solidFill>
+                  <a:schemeClr val="tx1"/>
+                </a:solidFill>
+              </a:rPr>
+              <a:t>DOTHUB_volumeMeshImage</a:t>
+            </a:r>
+            <a:br>
+              <a:rPr lang="en-US" sz="1200" b="1" dirty="0">
+                <a:solidFill>
+                  <a:schemeClr val="tx1"/>
+                </a:solidFill>
+              </a:rPr>
+            </a:br>
+            <a:r>
+              <a:rPr lang="en-US" sz="1200" b="1" dirty="0" err="1">
+                <a:solidFill>
+                  <a:schemeClr val="tx1"/>
+                </a:solidFill>
+              </a:rPr>
+              <a:t>DOTHUB_makeMovie</a:t>
+            </a:r>
+            <a:endParaRPr lang="en-US" sz="1200" dirty="0">
+              <a:solidFill>
+                <a:schemeClr val="tx1"/>
+              </a:solidFill>
+            </a:endParaRPr>
+          </a:p>
+        </p:txBody>
+      </p:sp>
+      <p:sp>
+        <p:nvSpPr>
+          <p:cNvPr id="155" name="Rectangle 154">
+            <a:extLst>
+              <a:ext uri="{FF2B5EF4-FFF2-40B4-BE49-F238E27FC236}">
+                <a16:creationId xmlns:a16="http://schemas.microsoft.com/office/drawing/2014/main" id="{5AFD389E-9508-044B-A54F-8C8486409902}"/>
+              </a:ext>
+            </a:extLst>
+          </p:cNvPr>
+          <p:cNvSpPr/>
+          <p:nvPr/>
+        </p:nvSpPr>
+        <p:spPr>
+          <a:xfrm>
+            <a:off x="8115281" y="13180233"/>
+            <a:ext cx="2233971" cy="672277"/>
+          </a:xfrm>
+          <a:prstGeom prst="rect">
+            <a:avLst/>
+          </a:prstGeom>
+          <a:noFill/>
+          <a:ln w="38100">
+            <a:solidFill>
+              <a:schemeClr val="tx1"/>
+            </a:solidFill>
+            <a:prstDash val="sysDash"/>
+          </a:ln>
+          <a:effectLst/>
+        </p:spPr>
+        <p:style>
+          <a:lnRef idx="1">
+            <a:schemeClr val="accent1"/>
+          </a:lnRef>
+          <a:fillRef idx="3">
+            <a:schemeClr val="accent1"/>
+          </a:fillRef>
+          <a:effectRef idx="2">
+            <a:schemeClr val="accent1"/>
+          </a:effectRef>
+          <a:fontRef idx="minor">
+            <a:schemeClr val="lt1"/>
+          </a:fontRef>
+        </p:style>
+        <p:txBody>
+          <a:bodyPr rtlCol="0" anchor="ctr"/>
+          <a:lstStyle/>
+          <a:p>
+            <a:pPr algn="ctr"/>
+            <a:r>
+              <a:rPr lang="en-US" sz="1200" i="1" dirty="0">
+                <a:solidFill>
+                  <a:schemeClr val="tx1"/>
+                </a:solidFill>
+              </a:rPr>
+              <a:t>Group level / statistical analysis pipeline (study specific)</a:t>
+            </a:r>
+            <a:endParaRPr lang="en-US" sz="1200" dirty="0">
+              <a:solidFill>
+                <a:schemeClr val="tx1"/>
+              </a:solidFill>
+            </a:endParaRPr>
+          </a:p>
+        </p:txBody>
+      </p:sp>
+      <p:sp>
+        <p:nvSpPr>
+          <p:cNvPr id="397" name="Rectangle 396">
+            <a:extLst>
+              <a:ext uri="{FF2B5EF4-FFF2-40B4-BE49-F238E27FC236}">
+                <a16:creationId xmlns:a16="http://schemas.microsoft.com/office/drawing/2014/main" id="{0F441444-4A66-0049-959C-873B6AF8BEA1}"/>
+              </a:ext>
+            </a:extLst>
+          </p:cNvPr>
+          <p:cNvSpPr/>
+          <p:nvPr/>
+        </p:nvSpPr>
+        <p:spPr>
+          <a:xfrm>
+            <a:off x="8113719" y="10647676"/>
+            <a:ext cx="2233971" cy="672277"/>
+          </a:xfrm>
+          <a:prstGeom prst="rect">
+            <a:avLst/>
+          </a:prstGeom>
+          <a:solidFill>
+            <a:srgbClr val="FF7D70"/>
+          </a:solidFill>
+          <a:ln w="38100">
+            <a:solidFill>
+              <a:schemeClr val="tx1"/>
+            </a:solidFill>
+            <a:prstDash val="sysDash"/>
+          </a:ln>
+          <a:effectLst/>
+        </p:spPr>
+        <p:style>
+          <a:lnRef idx="1">
+            <a:schemeClr val="accent1"/>
+          </a:lnRef>
+          <a:fillRef idx="3">
+            <a:schemeClr val="accent1"/>
+          </a:fillRef>
+          <a:effectRef idx="2">
+            <a:schemeClr val="accent1"/>
+          </a:effectRef>
+          <a:fontRef idx="minor">
+            <a:schemeClr val="lt1"/>
+          </a:fontRef>
+        </p:style>
+        <p:txBody>
+          <a:bodyPr rtlCol="0" anchor="ctr"/>
+          <a:lstStyle/>
+          <a:p>
+            <a:pPr algn="ctr"/>
+            <a:r>
+              <a:rPr lang="en-US" sz="1200" i="1" dirty="0" err="1">
+                <a:solidFill>
+                  <a:schemeClr val="tx1"/>
+                </a:solidFill>
+              </a:rPr>
+              <a:t>DOTHUB_ImageRegistration</a:t>
+            </a:r>
+            <a:endParaRPr lang="en-US" sz="1200" dirty="0">
+              <a:solidFill>
+                <a:schemeClr val="tx1"/>
+              </a:solidFill>
+            </a:endParaRPr>
+          </a:p>
+        </p:txBody>
+      </p:sp>
+      <p:sp>
+        <p:nvSpPr>
+          <p:cNvPr id="399" name="Rectangle 398">
+            <a:extLst>
+              <a:ext uri="{FF2B5EF4-FFF2-40B4-BE49-F238E27FC236}">
+                <a16:creationId xmlns:a16="http://schemas.microsoft.com/office/drawing/2014/main" id="{04B02778-C9C9-0A41-8AED-37520B50DA73}"/>
+              </a:ext>
+            </a:extLst>
+          </p:cNvPr>
+          <p:cNvSpPr/>
+          <p:nvPr/>
+        </p:nvSpPr>
+        <p:spPr>
+          <a:xfrm>
+            <a:off x="15104241" y="12028703"/>
+            <a:ext cx="2502697" cy="646331"/>
+          </a:xfrm>
+          <a:prstGeom prst="rect">
+            <a:avLst/>
+          </a:prstGeom>
+          <a:noFill/>
+          <a:ln w="38100">
+            <a:solidFill>
+              <a:schemeClr val="tx2">
+                <a:lumMod val="50000"/>
+              </a:schemeClr>
+            </a:solidFill>
+            <a:prstDash val="solid"/>
+          </a:ln>
+          <a:effectLst/>
+        </p:spPr>
+        <p:txBody>
+          <a:bodyPr wrap="square">
+            <a:spAutoFit/>
+          </a:bodyPr>
+          <a:lstStyle/>
+          <a:p>
+            <a:pPr algn="ctr"/>
+            <a:r>
+              <a:rPr lang="en-US" sz="1400" dirty="0"/>
+              <a:t>target space .</a:t>
+            </a:r>
+            <a:r>
+              <a:rPr lang="en-US" sz="1400" dirty="0" err="1"/>
+              <a:t>dotimg</a:t>
+            </a:r>
+            <a:r>
+              <a:rPr lang="en-US" sz="1400" dirty="0"/>
+              <a:t> </a:t>
+            </a:r>
+          </a:p>
+          <a:p>
+            <a:pPr algn="ctr"/>
+            <a:r>
+              <a:rPr lang="en-US" sz="1100" dirty="0"/>
+              <a:t>(</a:t>
+            </a:r>
+            <a:r>
+              <a:rPr lang="en-US" sz="1100" dirty="0" err="1"/>
+              <a:t>HbO_vol</a:t>
+            </a:r>
+            <a:r>
+              <a:rPr lang="en-US" sz="1100" dirty="0"/>
+              <a:t>, </a:t>
+            </a:r>
+            <a:r>
+              <a:rPr lang="en-US" sz="1100" dirty="0" err="1"/>
+              <a:t>HbR_vol</a:t>
+            </a:r>
+            <a:r>
+              <a:rPr lang="en-US" sz="1100" dirty="0"/>
+              <a:t>, </a:t>
+            </a:r>
+            <a:r>
+              <a:rPr lang="en-US" sz="1100" dirty="0" err="1"/>
+              <a:t>HbO_GM</a:t>
+            </a:r>
+            <a:r>
+              <a:rPr lang="en-US" sz="1100" dirty="0"/>
+              <a:t>, </a:t>
+            </a:r>
+            <a:r>
+              <a:rPr lang="en-US" sz="1100" dirty="0" err="1"/>
+              <a:t>HbR_GM</a:t>
+            </a:r>
+            <a:r>
+              <a:rPr lang="en-US" sz="1100" dirty="0"/>
+              <a:t>, </a:t>
+            </a:r>
+            <a:r>
+              <a:rPr lang="en-US" sz="1100" dirty="0" err="1"/>
+              <a:t>timebase</a:t>
+            </a:r>
+            <a:r>
+              <a:rPr lang="en-US" sz="1100" dirty="0"/>
+              <a:t>, </a:t>
+            </a:r>
+            <a:r>
+              <a:rPr lang="en-US" sz="1100" dirty="0" err="1"/>
+              <a:t>reconinfo</a:t>
+            </a:r>
+            <a:r>
+              <a:rPr lang="en-US" sz="1100" dirty="0"/>
+              <a:t>)</a:t>
+            </a:r>
+          </a:p>
+        </p:txBody>
+      </p:sp>
+      <p:sp>
+        <p:nvSpPr>
+          <p:cNvPr id="400" name="Rectangle 399">
+            <a:extLst>
+              <a:ext uri="{FF2B5EF4-FFF2-40B4-BE49-F238E27FC236}">
+                <a16:creationId xmlns:a16="http://schemas.microsoft.com/office/drawing/2014/main" id="{571584AE-BA5D-1443-9A28-5D20D6A96435}"/>
+              </a:ext>
+            </a:extLst>
+          </p:cNvPr>
+          <p:cNvSpPr/>
+          <p:nvPr/>
+        </p:nvSpPr>
+        <p:spPr>
+          <a:xfrm>
+            <a:off x="15094376" y="14599293"/>
+            <a:ext cx="2634824" cy="523220"/>
+          </a:xfrm>
+          <a:prstGeom prst="rect">
+            <a:avLst/>
+          </a:prstGeom>
+          <a:noFill/>
+          <a:ln w="38100">
+            <a:solidFill>
+              <a:schemeClr val="tx1"/>
+            </a:solidFill>
+          </a:ln>
+          <a:effectLst/>
+        </p:spPr>
+        <p:txBody>
+          <a:bodyPr wrap="square">
+            <a:spAutoFit/>
+          </a:bodyPr>
+          <a:lstStyle/>
+          <a:p>
+            <a:pPr algn="ctr"/>
+            <a:r>
+              <a:rPr lang="en-US" sz="1400" b="1" dirty="0" err="1"/>
+              <a:t>Haem</a:t>
+            </a:r>
+            <a:r>
+              <a:rPr lang="en-US" sz="1400" b="1" dirty="0"/>
+              <a:t> or </a:t>
+            </a:r>
+            <a:r>
+              <a:rPr lang="en-US" sz="1400" b="1" dirty="0" err="1"/>
+              <a:t>mua</a:t>
+            </a:r>
+            <a:r>
+              <a:rPr lang="en-US" sz="1400" b="1" dirty="0"/>
+              <a:t> figures, movies</a:t>
+            </a:r>
+            <a:br>
+              <a:rPr lang="en-US" sz="1400" b="1" dirty="0"/>
+            </a:br>
+            <a:r>
+              <a:rPr lang="en-US" sz="1400" b="1" dirty="0"/>
+              <a:t>stat map figures etc. (.fig, .</a:t>
+            </a:r>
+            <a:r>
+              <a:rPr lang="en-US" sz="1400" b="1" dirty="0" err="1"/>
+              <a:t>png</a:t>
+            </a:r>
+            <a:r>
+              <a:rPr lang="en-US" sz="1400" b="1" dirty="0"/>
+              <a:t>)</a:t>
+            </a:r>
+          </a:p>
+        </p:txBody>
+      </p:sp>
+      <p:cxnSp>
+        <p:nvCxnSpPr>
+          <p:cNvPr id="456" name="Straight Arrow Connector 455">
+            <a:extLst>
+              <a:ext uri="{FF2B5EF4-FFF2-40B4-BE49-F238E27FC236}">
+                <a16:creationId xmlns:a16="http://schemas.microsoft.com/office/drawing/2014/main" id="{FBC0D64E-1105-1547-AB04-F7C1183DD316}"/>
+              </a:ext>
+            </a:extLst>
+          </p:cNvPr>
+          <p:cNvCxnSpPr>
+            <a:cxnSpLocks/>
+            <a:stCxn id="397" idx="2"/>
+            <a:endCxn id="155" idx="0"/>
+          </p:cNvCxnSpPr>
+          <p:nvPr/>
+        </p:nvCxnSpPr>
+        <p:spPr>
+          <a:xfrm>
+            <a:off x="9230705" y="11319953"/>
+            <a:ext cx="1562" cy="1860280"/>
+          </a:xfrm>
+          <a:prstGeom prst="straightConnector1">
+            <a:avLst/>
+          </a:prstGeom>
+          <a:ln>
+            <a:tailEnd type="triangle"/>
+          </a:ln>
+          <a:effectLst/>
+        </p:spPr>
+        <p:style>
+          <a:lnRef idx="2">
+            <a:schemeClr val="accent1"/>
+          </a:lnRef>
+          <a:fillRef idx="0">
+            <a:schemeClr val="accent1"/>
+          </a:fillRef>
+          <a:effectRef idx="1">
+            <a:schemeClr val="accent1"/>
+          </a:effectRef>
+          <a:fontRef idx="minor">
+            <a:schemeClr val="tx1"/>
+          </a:fontRef>
+        </p:style>
+      </p:cxnSp>
+      <p:cxnSp>
+        <p:nvCxnSpPr>
+          <p:cNvPr id="466" name="Elbow Connector 465">
+            <a:extLst>
+              <a:ext uri="{FF2B5EF4-FFF2-40B4-BE49-F238E27FC236}">
+                <a16:creationId xmlns:a16="http://schemas.microsoft.com/office/drawing/2014/main" id="{6FD644E5-DFB3-784C-A24F-AB5B4A5C3F39}"/>
+              </a:ext>
+            </a:extLst>
+          </p:cNvPr>
+          <p:cNvCxnSpPr>
+            <a:cxnSpLocks/>
+            <a:stCxn id="155" idx="3"/>
+            <a:endCxn id="399" idx="3"/>
+          </p:cNvCxnSpPr>
+          <p:nvPr/>
+        </p:nvCxnSpPr>
+        <p:spPr>
+          <a:xfrm flipV="1">
+            <a:off x="10349252" y="12351869"/>
+            <a:ext cx="7257686" cy="1164503"/>
+          </a:xfrm>
+          <a:prstGeom prst="bentConnector3">
+            <a:avLst>
+              <a:gd name="adj1" fmla="val 103150"/>
+            </a:avLst>
+          </a:prstGeom>
+          <a:ln>
+            <a:tailEnd type="triangle"/>
+          </a:ln>
+          <a:effectLst/>
+        </p:spPr>
+        <p:style>
+          <a:lnRef idx="2">
+            <a:schemeClr val="accent1"/>
+          </a:lnRef>
+          <a:fillRef idx="0">
+            <a:schemeClr val="accent1"/>
+          </a:fillRef>
+          <a:effectRef idx="1">
+            <a:schemeClr val="accent1"/>
+          </a:effectRef>
+          <a:fontRef idx="minor">
+            <a:schemeClr val="tx1"/>
+          </a:fontRef>
+        </p:style>
+      </p:cxnSp>
+      <p:sp>
+        <p:nvSpPr>
+          <p:cNvPr id="130" name="Rectangle 129">
+            <a:extLst>
+              <a:ext uri="{FF2B5EF4-FFF2-40B4-BE49-F238E27FC236}">
+                <a16:creationId xmlns:a16="http://schemas.microsoft.com/office/drawing/2014/main" id="{3F238575-F027-AE4D-B676-C9B14B7849C2}"/>
+              </a:ext>
+            </a:extLst>
+          </p:cNvPr>
+          <p:cNvSpPr/>
+          <p:nvPr/>
+        </p:nvSpPr>
+        <p:spPr>
+          <a:xfrm>
+            <a:off x="14767768" y="1691026"/>
+            <a:ext cx="3108479" cy="307777"/>
+          </a:xfrm>
+          <a:prstGeom prst="rect">
+            <a:avLst/>
+          </a:prstGeom>
+          <a:noFill/>
+          <a:ln w="38100">
+            <a:solidFill>
+              <a:srgbClr val="002060"/>
+            </a:solidFill>
+          </a:ln>
+          <a:effectLst/>
+        </p:spPr>
+        <p:txBody>
+          <a:bodyPr wrap="square">
+            <a:spAutoFit/>
+          </a:bodyPr>
+          <a:lstStyle/>
+          <a:p>
+            <a:pPr algn="ctr"/>
+            <a:r>
+              <a:rPr lang="en-US" sz="1400" dirty="0"/>
+              <a:t>T1 and/or T2 MRI data</a:t>
+            </a:r>
+            <a:endParaRPr lang="en-US" sz="900" dirty="0"/>
+          </a:p>
+        </p:txBody>
+      </p:sp>
+      <p:sp>
+        <p:nvSpPr>
+          <p:cNvPr id="131" name="Rectangle 130">
+            <a:extLst>
+              <a:ext uri="{FF2B5EF4-FFF2-40B4-BE49-F238E27FC236}">
+                <a16:creationId xmlns:a16="http://schemas.microsoft.com/office/drawing/2014/main" id="{E5E3D53D-641E-B447-9E11-28DFD18E7DEF}"/>
+              </a:ext>
+            </a:extLst>
+          </p:cNvPr>
+          <p:cNvSpPr/>
+          <p:nvPr/>
+        </p:nvSpPr>
+        <p:spPr>
+          <a:xfrm>
+            <a:off x="15487837" y="679914"/>
+            <a:ext cx="1668342" cy="400110"/>
+          </a:xfrm>
+          <a:prstGeom prst="rect">
+            <a:avLst/>
+          </a:prstGeom>
+          <a:effectLst/>
+        </p:spPr>
+        <p:txBody>
+          <a:bodyPr wrap="none">
+            <a:spAutoFit/>
+          </a:bodyPr>
+          <a:lstStyle/>
+          <a:p>
+            <a:pPr algn="ctr"/>
+            <a:r>
+              <a:rPr lang="en-US" sz="2000" b="1" u="sng" dirty="0"/>
+              <a:t>Subject folder</a:t>
+            </a:r>
+          </a:p>
+        </p:txBody>
+      </p:sp>
+      <p:cxnSp>
+        <p:nvCxnSpPr>
+          <p:cNvPr id="132" name="Elbow Connector 131">
+            <a:extLst>
+              <a:ext uri="{FF2B5EF4-FFF2-40B4-BE49-F238E27FC236}">
+                <a16:creationId xmlns:a16="http://schemas.microsoft.com/office/drawing/2014/main" id="{5312C355-C5C9-604B-A91F-736EAE67C4DF}"/>
+              </a:ext>
+            </a:extLst>
+          </p:cNvPr>
+          <p:cNvCxnSpPr>
+            <a:cxnSpLocks/>
+            <a:stCxn id="106" idx="2"/>
+            <a:endCxn id="14" idx="1"/>
+          </p:cNvCxnSpPr>
+          <p:nvPr/>
+        </p:nvCxnSpPr>
+        <p:spPr>
+          <a:xfrm rot="5400000">
+            <a:off x="10629043" y="2898020"/>
+            <a:ext cx="3337391" cy="8363564"/>
+          </a:xfrm>
+          <a:prstGeom prst="bentConnector4">
+            <a:avLst>
+              <a:gd name="adj1" fmla="val 47195"/>
+              <a:gd name="adj2" fmla="val 102733"/>
+            </a:avLst>
+          </a:prstGeom>
+          <a:ln>
+            <a:tailEnd type="triangle"/>
+          </a:ln>
+          <a:effectLst/>
+        </p:spPr>
+        <p:style>
+          <a:lnRef idx="2">
+            <a:schemeClr val="accent1"/>
+          </a:lnRef>
+          <a:fillRef idx="0">
+            <a:schemeClr val="accent1"/>
+          </a:fillRef>
+          <a:effectRef idx="1">
+            <a:schemeClr val="accent1"/>
+          </a:effectRef>
+          <a:fontRef idx="minor">
+            <a:schemeClr val="tx1"/>
+          </a:fontRef>
+        </p:style>
+      </p:cxnSp>
+      <p:sp>
+        <p:nvSpPr>
+          <p:cNvPr id="133" name="Rectangle 132">
+            <a:extLst>
+              <a:ext uri="{FF2B5EF4-FFF2-40B4-BE49-F238E27FC236}">
+                <a16:creationId xmlns:a16="http://schemas.microsoft.com/office/drawing/2014/main" id="{E43B0F93-2995-FE4F-AB16-CC56BA1C6CD6}"/>
+              </a:ext>
+            </a:extLst>
+          </p:cNvPr>
+          <p:cNvSpPr/>
+          <p:nvPr/>
+        </p:nvSpPr>
+        <p:spPr>
+          <a:xfrm>
+            <a:off x="7743657" y="1373005"/>
+            <a:ext cx="3108479" cy="954107"/>
+          </a:xfrm>
+          <a:prstGeom prst="rect">
+            <a:avLst/>
+          </a:prstGeom>
+          <a:solidFill>
+            <a:srgbClr val="FF7D70"/>
+          </a:solidFill>
+          <a:ln w="19050">
+            <a:solidFill>
+              <a:schemeClr val="tx2">
+                <a:lumMod val="60000"/>
+                <a:lumOff val="40000"/>
+              </a:schemeClr>
+            </a:solidFill>
+          </a:ln>
+          <a:effectLst/>
+        </p:spPr>
+        <p:txBody>
+          <a:bodyPr wrap="square">
+            <a:spAutoFit/>
+          </a:bodyPr>
+          <a:lstStyle/>
+          <a:p>
+            <a:pPr algn="ctr"/>
+            <a:r>
+              <a:rPr lang="en-US" sz="1400" b="1" dirty="0"/>
+              <a:t>SEGMENTATION CALL </a:t>
+            </a:r>
+            <a:r>
+              <a:rPr lang="en-US" sz="1400" dirty="0"/>
+              <a:t>(either via </a:t>
+            </a:r>
+            <a:r>
+              <a:rPr lang="en-US" sz="1400" dirty="0" err="1"/>
+              <a:t>matlab</a:t>
+            </a:r>
+            <a:r>
+              <a:rPr lang="en-US" sz="1400" dirty="0"/>
+              <a:t> if possible or using a recommended pipeline in ideally one MRI processing package, (FREESURFER? HCP? </a:t>
+            </a:r>
+            <a:r>
+              <a:rPr lang="en-US" sz="1400" dirty="0" err="1"/>
+              <a:t>dHCP</a:t>
+            </a:r>
+            <a:r>
+              <a:rPr lang="en-US" sz="1400" dirty="0"/>
+              <a:t>?)</a:t>
+            </a:r>
+            <a:endParaRPr lang="en-US" sz="900" dirty="0"/>
+          </a:p>
+        </p:txBody>
+      </p:sp>
+      <p:cxnSp>
+        <p:nvCxnSpPr>
+          <p:cNvPr id="135" name="Straight Arrow Connector 134">
+            <a:extLst>
+              <a:ext uri="{FF2B5EF4-FFF2-40B4-BE49-F238E27FC236}">
+                <a16:creationId xmlns:a16="http://schemas.microsoft.com/office/drawing/2014/main" id="{6A17CAA8-41B1-FE40-B043-8135AF2A943C}"/>
+              </a:ext>
+            </a:extLst>
+          </p:cNvPr>
+          <p:cNvCxnSpPr>
+            <a:cxnSpLocks/>
+            <a:stCxn id="130" idx="1"/>
+            <a:endCxn id="133" idx="3"/>
+          </p:cNvCxnSpPr>
+          <p:nvPr/>
+        </p:nvCxnSpPr>
+        <p:spPr>
+          <a:xfrm flipH="1">
+            <a:off x="10852136" y="1844915"/>
+            <a:ext cx="3915632" cy="5144"/>
+          </a:xfrm>
+          <a:prstGeom prst="straightConnector1">
+            <a:avLst/>
+          </a:prstGeom>
+          <a:ln>
+            <a:tailEnd type="triangle"/>
+          </a:ln>
+          <a:effectLst/>
+        </p:spPr>
+        <p:style>
+          <a:lnRef idx="2">
+            <a:schemeClr val="accent1"/>
+          </a:lnRef>
+          <a:fillRef idx="0">
+            <a:schemeClr val="accent1"/>
+          </a:fillRef>
+          <a:effectRef idx="1">
+            <a:schemeClr val="accent1"/>
+          </a:effectRef>
+          <a:fontRef idx="minor">
+            <a:schemeClr val="tx1"/>
+          </a:fontRef>
+        </p:style>
+      </p:cxnSp>
+      <p:sp>
+        <p:nvSpPr>
+          <p:cNvPr id="136" name="Rectangle 135">
+            <a:extLst>
+              <a:ext uri="{FF2B5EF4-FFF2-40B4-BE49-F238E27FC236}">
+                <a16:creationId xmlns:a16="http://schemas.microsoft.com/office/drawing/2014/main" id="{7DC37489-5134-9840-BECC-20449B5E8D99}"/>
+              </a:ext>
+            </a:extLst>
+          </p:cNvPr>
+          <p:cNvSpPr/>
+          <p:nvPr/>
+        </p:nvSpPr>
+        <p:spPr>
+          <a:xfrm>
+            <a:off x="14767769" y="2250524"/>
+            <a:ext cx="3108478" cy="738664"/>
+          </a:xfrm>
+          <a:prstGeom prst="rect">
+            <a:avLst/>
+          </a:prstGeom>
+          <a:noFill/>
+          <a:ln w="38100">
+            <a:solidFill>
+              <a:srgbClr val="002060"/>
+            </a:solidFill>
+          </a:ln>
+          <a:effectLst/>
+        </p:spPr>
+        <p:txBody>
+          <a:bodyPr wrap="square">
+            <a:spAutoFit/>
+          </a:bodyPr>
+          <a:lstStyle/>
+          <a:p>
+            <a:pPr algn="ctr"/>
+            <a:r>
+              <a:rPr lang="en-US" sz="1400" dirty="0"/>
+              <a:t>Tissue probability maps.</a:t>
+            </a:r>
+          </a:p>
+          <a:p>
+            <a:pPr algn="ctr"/>
+            <a:r>
+              <a:rPr lang="en-US" sz="1400" dirty="0" err="1"/>
+              <a:t>Pial</a:t>
+            </a:r>
+            <a:r>
+              <a:rPr lang="en-US" sz="1400" dirty="0"/>
+              <a:t> surfaces</a:t>
+            </a:r>
+          </a:p>
+          <a:p>
+            <a:pPr algn="ctr"/>
+            <a:r>
+              <a:rPr lang="en-US" sz="1400" dirty="0"/>
+              <a:t>Spherical surfaces</a:t>
+            </a:r>
+            <a:endParaRPr lang="en-US" sz="900" dirty="0"/>
+          </a:p>
+        </p:txBody>
+      </p:sp>
+      <p:cxnSp>
+        <p:nvCxnSpPr>
+          <p:cNvPr id="137" name="Elbow Connector 136">
+            <a:extLst>
+              <a:ext uri="{FF2B5EF4-FFF2-40B4-BE49-F238E27FC236}">
+                <a16:creationId xmlns:a16="http://schemas.microsoft.com/office/drawing/2014/main" id="{A64936CE-07EE-6D44-83B2-DF36C186EC9E}"/>
+              </a:ext>
+            </a:extLst>
+          </p:cNvPr>
+          <p:cNvCxnSpPr>
+            <a:cxnSpLocks/>
+            <a:stCxn id="133" idx="2"/>
+            <a:endCxn id="136" idx="1"/>
+          </p:cNvCxnSpPr>
+          <p:nvPr/>
+        </p:nvCxnSpPr>
+        <p:spPr>
+          <a:xfrm rot="16200000" flipH="1">
+            <a:off x="11886461" y="-261452"/>
+            <a:ext cx="292744" cy="5469872"/>
+          </a:xfrm>
+          <a:prstGeom prst="bentConnector2">
+            <a:avLst/>
+          </a:prstGeom>
+          <a:ln>
+            <a:tailEnd type="triangle"/>
+          </a:ln>
+          <a:effectLst/>
+        </p:spPr>
+        <p:style>
+          <a:lnRef idx="2">
+            <a:schemeClr val="accent1"/>
+          </a:lnRef>
+          <a:fillRef idx="0">
+            <a:schemeClr val="accent1"/>
+          </a:fillRef>
+          <a:effectRef idx="1">
+            <a:schemeClr val="accent1"/>
+          </a:effectRef>
+          <a:fontRef idx="minor">
+            <a:schemeClr val="tx1"/>
+          </a:fontRef>
+        </p:style>
+      </p:cxnSp>
+      <p:sp>
+        <p:nvSpPr>
+          <p:cNvPr id="145" name="Rectangle 144">
+            <a:extLst>
+              <a:ext uri="{FF2B5EF4-FFF2-40B4-BE49-F238E27FC236}">
+                <a16:creationId xmlns:a16="http://schemas.microsoft.com/office/drawing/2014/main" id="{9C360469-40B8-0C4F-BCF6-A53C5774A965}"/>
+              </a:ext>
+            </a:extLst>
+          </p:cNvPr>
+          <p:cNvSpPr/>
+          <p:nvPr/>
+        </p:nvSpPr>
+        <p:spPr>
+          <a:xfrm>
+            <a:off x="7774350" y="3131715"/>
+            <a:ext cx="3108479" cy="307777"/>
+          </a:xfrm>
+          <a:prstGeom prst="rect">
+            <a:avLst/>
+          </a:prstGeom>
+          <a:solidFill>
+            <a:srgbClr val="FF7D70"/>
+          </a:solidFill>
+          <a:ln w="19050">
+            <a:solidFill>
+              <a:schemeClr val="tx2">
+                <a:lumMod val="60000"/>
+                <a:lumOff val="40000"/>
+              </a:schemeClr>
+            </a:solidFill>
+          </a:ln>
+          <a:effectLst/>
+        </p:spPr>
+        <p:txBody>
+          <a:bodyPr wrap="square">
+            <a:spAutoFit/>
+          </a:bodyPr>
+          <a:lstStyle/>
+          <a:p>
+            <a:pPr algn="ctr"/>
+            <a:r>
+              <a:rPr lang="en-US" sz="1400" b="1" dirty="0"/>
+              <a:t>MASK CREATION</a:t>
+            </a:r>
+            <a:endParaRPr lang="en-US" sz="900" dirty="0"/>
+          </a:p>
+        </p:txBody>
+      </p:sp>
+      <p:cxnSp>
+        <p:nvCxnSpPr>
+          <p:cNvPr id="146" name="Elbow Connector 145">
+            <a:extLst>
+              <a:ext uri="{FF2B5EF4-FFF2-40B4-BE49-F238E27FC236}">
+                <a16:creationId xmlns:a16="http://schemas.microsoft.com/office/drawing/2014/main" id="{EC4FC3B8-53AF-0B4A-B9CB-B34CD38EFAA2}"/>
+              </a:ext>
+            </a:extLst>
+          </p:cNvPr>
+          <p:cNvCxnSpPr>
+            <a:cxnSpLocks/>
+            <a:stCxn id="136" idx="2"/>
+            <a:endCxn id="145" idx="3"/>
+          </p:cNvCxnSpPr>
+          <p:nvPr/>
+        </p:nvCxnSpPr>
+        <p:spPr>
+          <a:xfrm rot="5400000">
+            <a:off x="13454211" y="417807"/>
+            <a:ext cx="296416" cy="5439179"/>
+          </a:xfrm>
+          <a:prstGeom prst="bentConnector2">
+            <a:avLst/>
+          </a:prstGeom>
+          <a:ln>
+            <a:tailEnd type="triangle"/>
+          </a:ln>
+          <a:effectLst/>
+        </p:spPr>
+        <p:style>
+          <a:lnRef idx="2">
+            <a:schemeClr val="accent1"/>
+          </a:lnRef>
+          <a:fillRef idx="0">
+            <a:schemeClr val="accent1"/>
+          </a:fillRef>
+          <a:effectRef idx="1">
+            <a:schemeClr val="accent1"/>
+          </a:effectRef>
+          <a:fontRef idx="minor">
+            <a:schemeClr val="tx1"/>
+          </a:fontRef>
+        </p:style>
+      </p:cxnSp>
+      <p:sp>
+        <p:nvSpPr>
+          <p:cNvPr id="147" name="Rectangle 146">
+            <a:extLst>
+              <a:ext uri="{FF2B5EF4-FFF2-40B4-BE49-F238E27FC236}">
+                <a16:creationId xmlns:a16="http://schemas.microsoft.com/office/drawing/2014/main" id="{49756705-A35E-6F43-85DB-BF3756FAA6A2}"/>
+              </a:ext>
+            </a:extLst>
+          </p:cNvPr>
+          <p:cNvSpPr/>
+          <p:nvPr/>
+        </p:nvSpPr>
+        <p:spPr>
+          <a:xfrm>
+            <a:off x="7774349" y="3670200"/>
+            <a:ext cx="3108479" cy="307777"/>
+          </a:xfrm>
+          <a:prstGeom prst="rect">
+            <a:avLst/>
+          </a:prstGeom>
+          <a:solidFill>
+            <a:srgbClr val="FF7D70"/>
+          </a:solidFill>
+          <a:ln w="19050">
+            <a:solidFill>
+              <a:schemeClr val="tx2">
+                <a:lumMod val="60000"/>
+                <a:lumOff val="40000"/>
+              </a:schemeClr>
+            </a:solidFill>
+          </a:ln>
+          <a:effectLst/>
+        </p:spPr>
+        <p:txBody>
+          <a:bodyPr wrap="square">
+            <a:spAutoFit/>
+          </a:bodyPr>
+          <a:lstStyle/>
+          <a:p>
+            <a:pPr algn="ctr"/>
+            <a:r>
+              <a:rPr lang="en-US" sz="1400" b="1" dirty="0"/>
+              <a:t>MESH CREATION</a:t>
+            </a:r>
+            <a:endParaRPr lang="en-US" sz="900" dirty="0"/>
+          </a:p>
+        </p:txBody>
+      </p:sp>
+      <p:cxnSp>
+        <p:nvCxnSpPr>
+          <p:cNvPr id="149" name="Straight Arrow Connector 148">
+            <a:extLst>
+              <a:ext uri="{FF2B5EF4-FFF2-40B4-BE49-F238E27FC236}">
+                <a16:creationId xmlns:a16="http://schemas.microsoft.com/office/drawing/2014/main" id="{FCE28726-308F-F046-A7D4-FF6C4BDA25BB}"/>
+              </a:ext>
+            </a:extLst>
+          </p:cNvPr>
+          <p:cNvCxnSpPr>
+            <a:cxnSpLocks/>
+            <a:stCxn id="145" idx="2"/>
+            <a:endCxn id="147" idx="0"/>
+          </p:cNvCxnSpPr>
+          <p:nvPr/>
+        </p:nvCxnSpPr>
+        <p:spPr>
+          <a:xfrm flipH="1">
+            <a:off x="9328589" y="3439492"/>
+            <a:ext cx="1" cy="230708"/>
+          </a:xfrm>
+          <a:prstGeom prst="straightConnector1">
+            <a:avLst/>
+          </a:prstGeom>
+          <a:ln>
+            <a:tailEnd type="triangle"/>
+          </a:ln>
+          <a:effectLst/>
+        </p:spPr>
+        <p:style>
+          <a:lnRef idx="2">
+            <a:schemeClr val="accent1"/>
+          </a:lnRef>
+          <a:fillRef idx="0">
+            <a:schemeClr val="accent1"/>
+          </a:fillRef>
+          <a:effectRef idx="1">
+            <a:schemeClr val="accent1"/>
+          </a:effectRef>
+          <a:fontRef idx="minor">
+            <a:schemeClr val="tx1"/>
+          </a:fontRef>
+        </p:style>
+      </p:cxnSp>
+      <p:cxnSp>
+        <p:nvCxnSpPr>
+          <p:cNvPr id="150" name="Elbow Connector 149">
+            <a:extLst>
+              <a:ext uri="{FF2B5EF4-FFF2-40B4-BE49-F238E27FC236}">
+                <a16:creationId xmlns:a16="http://schemas.microsoft.com/office/drawing/2014/main" id="{3F4759F8-8582-6B4A-9E2C-8DD5BFABD065}"/>
+              </a:ext>
+            </a:extLst>
+          </p:cNvPr>
+          <p:cNvCxnSpPr>
+            <a:cxnSpLocks/>
+            <a:stCxn id="147" idx="2"/>
+            <a:endCxn id="106" idx="1"/>
+          </p:cNvCxnSpPr>
+          <p:nvPr/>
+        </p:nvCxnSpPr>
+        <p:spPr>
+          <a:xfrm rot="16200000" flipH="1">
+            <a:off x="11372991" y="1933574"/>
+            <a:ext cx="887887" cy="4976691"/>
+          </a:xfrm>
+          <a:prstGeom prst="bentConnector2">
+            <a:avLst/>
+          </a:prstGeom>
+          <a:ln>
+            <a:tailEnd type="triangle"/>
+          </a:ln>
+          <a:effectLst/>
+        </p:spPr>
+        <p:style>
+          <a:lnRef idx="2">
+            <a:schemeClr val="accent1"/>
+          </a:lnRef>
+          <a:fillRef idx="0">
+            <a:schemeClr val="accent1"/>
+          </a:fillRef>
+          <a:effectRef idx="1">
+            <a:schemeClr val="accent1"/>
+          </a:effectRef>
+          <a:fontRef idx="minor">
+            <a:schemeClr val="tx1"/>
+          </a:fontRef>
+        </p:style>
+      </p:cxnSp>
+      <p:cxnSp>
+        <p:nvCxnSpPr>
+          <p:cNvPr id="156" name="Elbow Connector 155">
+            <a:extLst>
+              <a:ext uri="{FF2B5EF4-FFF2-40B4-BE49-F238E27FC236}">
+                <a16:creationId xmlns:a16="http://schemas.microsoft.com/office/drawing/2014/main" id="{32F1D33B-63C8-C745-A3F9-9F0B8684066F}"/>
+              </a:ext>
+            </a:extLst>
+          </p:cNvPr>
+          <p:cNvCxnSpPr>
+            <a:cxnSpLocks/>
+            <a:stCxn id="397" idx="2"/>
+            <a:endCxn id="399" idx="1"/>
+          </p:cNvCxnSpPr>
+          <p:nvPr/>
+        </p:nvCxnSpPr>
+        <p:spPr>
+          <a:xfrm rot="16200000" flipH="1">
+            <a:off x="11651515" y="8899143"/>
+            <a:ext cx="1031916" cy="5873536"/>
+          </a:xfrm>
+          <a:prstGeom prst="bentConnector2">
+            <a:avLst/>
+          </a:prstGeom>
+          <a:ln>
+            <a:tailEnd type="triangle"/>
+          </a:ln>
+          <a:effectLst/>
+        </p:spPr>
+        <p:style>
+          <a:lnRef idx="2">
+            <a:schemeClr val="accent1"/>
+          </a:lnRef>
+          <a:fillRef idx="0">
+            <a:schemeClr val="accent1"/>
+          </a:fillRef>
+          <a:effectRef idx="1">
+            <a:schemeClr val="accent1"/>
+          </a:effectRef>
+          <a:fontRef idx="minor">
+            <a:schemeClr val="tx1"/>
+          </a:fontRef>
+        </p:style>
+      </p:cxnSp>
+      <p:cxnSp>
+        <p:nvCxnSpPr>
+          <p:cNvPr id="159" name="Elbow Connector 158">
+            <a:extLst>
+              <a:ext uri="{FF2B5EF4-FFF2-40B4-BE49-F238E27FC236}">
+                <a16:creationId xmlns:a16="http://schemas.microsoft.com/office/drawing/2014/main" id="{C57A5A0A-D475-2945-A403-7A777560FF18}"/>
+              </a:ext>
+            </a:extLst>
+          </p:cNvPr>
+          <p:cNvCxnSpPr>
+            <a:cxnSpLocks/>
+            <a:stCxn id="106" idx="2"/>
+            <a:endCxn id="397" idx="1"/>
+          </p:cNvCxnSpPr>
+          <p:nvPr/>
+        </p:nvCxnSpPr>
+        <p:spPr>
+          <a:xfrm rot="5400000">
+            <a:off x="9510266" y="4014561"/>
+            <a:ext cx="5572708" cy="8365801"/>
+          </a:xfrm>
+          <a:prstGeom prst="bentConnector4">
+            <a:avLst>
+              <a:gd name="adj1" fmla="val 14167"/>
+              <a:gd name="adj2" fmla="val 116313"/>
+            </a:avLst>
+          </a:prstGeom>
+          <a:ln>
+            <a:tailEnd type="triangle"/>
+          </a:ln>
+          <a:effectLst/>
+        </p:spPr>
+        <p:style>
+          <a:lnRef idx="2">
+            <a:schemeClr val="accent1"/>
+          </a:lnRef>
+          <a:fillRef idx="0">
+            <a:schemeClr val="accent1"/>
+          </a:fillRef>
+          <a:effectRef idx="1">
+            <a:schemeClr val="accent1"/>
+          </a:effectRef>
+          <a:fontRef idx="minor">
+            <a:schemeClr val="tx1"/>
+          </a:fontRef>
+        </p:style>
+      </p:cxnSp>
+      <p:sp>
+        <p:nvSpPr>
+          <p:cNvPr id="168" name="Rectangle 167">
+            <a:extLst>
+              <a:ext uri="{FF2B5EF4-FFF2-40B4-BE49-F238E27FC236}">
+                <a16:creationId xmlns:a16="http://schemas.microsoft.com/office/drawing/2014/main" id="{714AECAF-4717-1641-8194-BCD382F61282}"/>
+              </a:ext>
+            </a:extLst>
+          </p:cNvPr>
+          <p:cNvSpPr/>
+          <p:nvPr/>
+        </p:nvSpPr>
+        <p:spPr>
+          <a:xfrm>
+            <a:off x="1982347" y="10448058"/>
+            <a:ext cx="3387879" cy="1090486"/>
+          </a:xfrm>
+          <a:prstGeom prst="rect">
+            <a:avLst/>
+          </a:prstGeom>
+          <a:noFill/>
+          <a:ln w="38100">
+            <a:solidFill>
+              <a:schemeClr val="tx2">
+                <a:lumMod val="50000"/>
+              </a:schemeClr>
+            </a:solidFill>
+            <a:prstDash val="solid"/>
+          </a:ln>
+          <a:effectLst/>
+        </p:spPr>
+        <p:style>
+          <a:lnRef idx="1">
+            <a:schemeClr val="accent1"/>
+          </a:lnRef>
+          <a:fillRef idx="3">
+            <a:schemeClr val="accent1"/>
+          </a:fillRef>
+          <a:effectRef idx="2">
+            <a:schemeClr val="accent1"/>
+          </a:effectRef>
+          <a:fontRef idx="minor">
+            <a:schemeClr val="lt1"/>
+          </a:fontRef>
+        </p:style>
+        <p:txBody>
+          <a:bodyPr rtlCol="0" anchor="ctr"/>
+          <a:lstStyle/>
+          <a:p>
+            <a:pPr algn="ctr"/>
+            <a:r>
+              <a:rPr lang="en-US" sz="1400" b="1" dirty="0">
+                <a:solidFill>
+                  <a:schemeClr val="tx1"/>
+                </a:solidFill>
+              </a:rPr>
+              <a:t>target space .</a:t>
+            </a:r>
+            <a:r>
+              <a:rPr lang="en-US" sz="1400" b="1" dirty="0" err="1">
+                <a:solidFill>
+                  <a:schemeClr val="tx1"/>
+                </a:solidFill>
+              </a:rPr>
+              <a:t>mshs</a:t>
+            </a:r>
+            <a:br>
+              <a:rPr lang="en-US" sz="1400" dirty="0">
+                <a:solidFill>
+                  <a:schemeClr val="tx1"/>
+                </a:solidFill>
+              </a:rPr>
+            </a:br>
+            <a:r>
+              <a:rPr lang="en-US" sz="1200" dirty="0" err="1">
+                <a:solidFill>
+                  <a:schemeClr val="tx1"/>
+                </a:solidFill>
+              </a:rPr>
+              <a:t>HeadVolumeMesh</a:t>
+            </a:r>
+            <a:r>
+              <a:rPr lang="en-US" sz="1200" dirty="0">
+                <a:solidFill>
+                  <a:schemeClr val="tx1"/>
+                </a:solidFill>
+              </a:rPr>
+              <a:t>, </a:t>
+            </a:r>
+            <a:r>
+              <a:rPr lang="en-US" sz="1200" dirty="0" err="1">
+                <a:solidFill>
+                  <a:schemeClr val="tx1"/>
+                </a:solidFill>
+              </a:rPr>
+              <a:t>GMSurfaceMesh</a:t>
+            </a:r>
+            <a:r>
+              <a:rPr lang="en-US" sz="1200" dirty="0">
+                <a:solidFill>
+                  <a:schemeClr val="tx1"/>
+                </a:solidFill>
+              </a:rPr>
+              <a:t>, </a:t>
+            </a:r>
+            <a:r>
+              <a:rPr lang="en-US" sz="1200" dirty="0" err="1">
+                <a:solidFill>
+                  <a:schemeClr val="tx1"/>
+                </a:solidFill>
+              </a:rPr>
+              <a:t>ScalpSurfaceMesh</a:t>
+            </a:r>
+            <a:r>
+              <a:rPr lang="en-US" sz="1200" dirty="0">
+                <a:solidFill>
+                  <a:schemeClr val="tx1"/>
+                </a:solidFill>
+              </a:rPr>
+              <a:t>, </a:t>
+            </a:r>
+            <a:r>
+              <a:rPr lang="en-US" sz="1200" dirty="0" err="1">
+                <a:solidFill>
+                  <a:schemeClr val="tx1"/>
+                </a:solidFill>
+              </a:rPr>
+              <a:t>lh.pial</a:t>
+            </a:r>
+            <a:r>
+              <a:rPr lang="en-US" sz="1200" dirty="0">
+                <a:solidFill>
+                  <a:schemeClr val="tx1"/>
+                </a:solidFill>
+              </a:rPr>
+              <a:t>, </a:t>
+            </a:r>
+            <a:r>
+              <a:rPr lang="en-US" sz="1200" dirty="0" err="1">
+                <a:solidFill>
+                  <a:schemeClr val="tx1"/>
+                </a:solidFill>
+              </a:rPr>
+              <a:t>rh.pial</a:t>
+            </a:r>
+            <a:r>
+              <a:rPr lang="en-US" sz="1200" dirty="0">
+                <a:solidFill>
+                  <a:schemeClr val="tx1"/>
+                </a:solidFill>
+              </a:rPr>
+              <a:t>, </a:t>
+            </a:r>
+            <a:r>
+              <a:rPr lang="en-US" sz="1200" dirty="0" err="1">
+                <a:solidFill>
+                  <a:schemeClr val="tx1"/>
+                </a:solidFill>
+              </a:rPr>
+              <a:t>lh.sphere</a:t>
+            </a:r>
+            <a:r>
+              <a:rPr lang="en-US" sz="1200" dirty="0">
+                <a:solidFill>
+                  <a:schemeClr val="tx1"/>
+                </a:solidFill>
+              </a:rPr>
+              <a:t>, </a:t>
+            </a:r>
+            <a:r>
+              <a:rPr lang="en-US" sz="1200" dirty="0" err="1">
+                <a:solidFill>
+                  <a:schemeClr val="tx1"/>
+                </a:solidFill>
+              </a:rPr>
+              <a:t>rh.sphere</a:t>
+            </a:r>
+            <a:r>
+              <a:rPr lang="en-US" sz="1200" dirty="0">
+                <a:solidFill>
+                  <a:schemeClr val="tx1"/>
+                </a:solidFill>
+              </a:rPr>
+              <a:t>, landmarks, vol2gm</a:t>
+            </a:r>
+          </a:p>
+          <a:p>
+            <a:pPr algn="ctr"/>
+            <a:endParaRPr lang="en-US" sz="1000" dirty="0">
+              <a:solidFill>
+                <a:schemeClr val="tx1"/>
+              </a:solidFill>
+            </a:endParaRPr>
+          </a:p>
+        </p:txBody>
+      </p:sp>
+      <p:cxnSp>
+        <p:nvCxnSpPr>
+          <p:cNvPr id="169" name="Straight Arrow Connector 168">
+            <a:extLst>
+              <a:ext uri="{FF2B5EF4-FFF2-40B4-BE49-F238E27FC236}">
+                <a16:creationId xmlns:a16="http://schemas.microsoft.com/office/drawing/2014/main" id="{7E404959-3E21-4043-8797-0B7401BE2C8B}"/>
+              </a:ext>
+            </a:extLst>
+          </p:cNvPr>
+          <p:cNvCxnSpPr>
+            <a:cxnSpLocks/>
+            <a:stCxn id="168" idx="3"/>
+            <a:endCxn id="397" idx="1"/>
+          </p:cNvCxnSpPr>
+          <p:nvPr/>
+        </p:nvCxnSpPr>
+        <p:spPr>
+          <a:xfrm flipV="1">
+            <a:off x="5370226" y="10983815"/>
+            <a:ext cx="2743493" cy="9486"/>
+          </a:xfrm>
+          <a:prstGeom prst="straightConnector1">
+            <a:avLst/>
+          </a:prstGeom>
+          <a:ln>
+            <a:tailEnd type="triangle"/>
+          </a:ln>
+          <a:effectLst/>
+        </p:spPr>
+        <p:style>
+          <a:lnRef idx="2">
+            <a:schemeClr val="accent1"/>
+          </a:lnRef>
+          <a:fillRef idx="0">
+            <a:schemeClr val="accent1"/>
+          </a:fillRef>
+          <a:effectRef idx="1">
+            <a:schemeClr val="accent1"/>
+          </a:effectRef>
+          <a:fontRef idx="minor">
+            <a:schemeClr val="tx1"/>
+          </a:fontRef>
+        </p:style>
+      </p:cxnSp>
+      <p:cxnSp>
+        <p:nvCxnSpPr>
+          <p:cNvPr id="176" name="Straight Arrow Connector 175">
+            <a:extLst>
+              <a:ext uri="{FF2B5EF4-FFF2-40B4-BE49-F238E27FC236}">
+                <a16:creationId xmlns:a16="http://schemas.microsoft.com/office/drawing/2014/main" id="{1138495C-EADB-964D-B57B-C7CAEABE4AD2}"/>
+              </a:ext>
+            </a:extLst>
+          </p:cNvPr>
+          <p:cNvCxnSpPr>
+            <a:cxnSpLocks/>
+            <a:stCxn id="205" idx="1"/>
+            <a:endCxn id="397" idx="3"/>
+          </p:cNvCxnSpPr>
+          <p:nvPr/>
+        </p:nvCxnSpPr>
+        <p:spPr>
+          <a:xfrm flipH="1">
+            <a:off x="10347690" y="10976369"/>
+            <a:ext cx="4756552" cy="7446"/>
+          </a:xfrm>
+          <a:prstGeom prst="straightConnector1">
+            <a:avLst/>
+          </a:prstGeom>
+          <a:ln>
+            <a:tailEnd type="triangle"/>
+          </a:ln>
+          <a:effectLst/>
+        </p:spPr>
+        <p:style>
+          <a:lnRef idx="2">
+            <a:schemeClr val="accent1"/>
+          </a:lnRef>
+          <a:fillRef idx="0">
+            <a:schemeClr val="accent1"/>
+          </a:fillRef>
+          <a:effectRef idx="1">
+            <a:schemeClr val="accent1"/>
+          </a:effectRef>
+          <a:fontRef idx="minor">
+            <a:schemeClr val="tx1"/>
+          </a:fontRef>
+        </p:style>
+      </p:cxnSp>
+      <p:sp>
+        <p:nvSpPr>
+          <p:cNvPr id="182" name="Rectangle 181">
+            <a:extLst>
+              <a:ext uri="{FF2B5EF4-FFF2-40B4-BE49-F238E27FC236}">
+                <a16:creationId xmlns:a16="http://schemas.microsoft.com/office/drawing/2014/main" id="{FD3E20A4-4B1F-4941-99AD-69BAD2B0FFBA}"/>
+              </a:ext>
+            </a:extLst>
+          </p:cNvPr>
+          <p:cNvSpPr/>
+          <p:nvPr/>
+        </p:nvSpPr>
+        <p:spPr>
+          <a:xfrm>
+            <a:off x="8348352" y="9484676"/>
+            <a:ext cx="1757548" cy="672277"/>
+          </a:xfrm>
+          <a:prstGeom prst="rect">
+            <a:avLst/>
+          </a:prstGeom>
+          <a:solidFill>
+            <a:srgbClr val="FF7D70"/>
+          </a:solidFill>
+          <a:ln w="38100">
+            <a:solidFill>
+              <a:schemeClr val="tx1"/>
+            </a:solidFill>
+            <a:prstDash val="sysDash"/>
+          </a:ln>
+          <a:effectLst/>
+        </p:spPr>
+        <p:style>
+          <a:lnRef idx="1">
+            <a:schemeClr val="accent1"/>
+          </a:lnRef>
+          <a:fillRef idx="3">
+            <a:schemeClr val="accent1"/>
+          </a:fillRef>
+          <a:effectRef idx="2">
+            <a:schemeClr val="accent1"/>
+          </a:effectRef>
+          <a:fontRef idx="minor">
+            <a:schemeClr val="lt1"/>
+          </a:fontRef>
+        </p:style>
+        <p:txBody>
+          <a:bodyPr rtlCol="0" anchor="ctr"/>
+          <a:lstStyle/>
+          <a:p>
+            <a:pPr algn="ctr"/>
+            <a:r>
+              <a:rPr lang="en-US" sz="1200" i="1" dirty="0">
+                <a:solidFill>
+                  <a:schemeClr val="tx1"/>
+                </a:solidFill>
+              </a:rPr>
+              <a:t>Surface-based registration call</a:t>
+            </a:r>
+            <a:endParaRPr lang="en-US" sz="1200" dirty="0">
+              <a:solidFill>
+                <a:schemeClr val="tx1"/>
+              </a:solidFill>
+            </a:endParaRPr>
+          </a:p>
+        </p:txBody>
+      </p:sp>
+      <p:cxnSp>
+        <p:nvCxnSpPr>
+          <p:cNvPr id="461" name="Straight Arrow Connector 460">
+            <a:extLst>
+              <a:ext uri="{FF2B5EF4-FFF2-40B4-BE49-F238E27FC236}">
+                <a16:creationId xmlns:a16="http://schemas.microsoft.com/office/drawing/2014/main" id="{6BCD2A82-B2F8-A04A-BAC7-408EC7C96B6F}"/>
+              </a:ext>
+            </a:extLst>
+          </p:cNvPr>
+          <p:cNvCxnSpPr/>
+          <p:nvPr/>
+        </p:nvCxnSpPr>
+        <p:spPr>
+          <a:xfrm flipV="1">
+            <a:off x="8645236" y="10156953"/>
+            <a:ext cx="0" cy="490723"/>
+          </a:xfrm>
+          <a:prstGeom prst="straightConnector1">
+            <a:avLst/>
+          </a:prstGeom>
+          <a:ln>
+            <a:tailEnd type="triangle"/>
+          </a:ln>
+          <a:effectLst/>
+        </p:spPr>
+        <p:style>
+          <a:lnRef idx="2">
+            <a:schemeClr val="accent1"/>
+          </a:lnRef>
+          <a:fillRef idx="0">
+            <a:schemeClr val="accent1"/>
+          </a:fillRef>
+          <a:effectRef idx="1">
+            <a:schemeClr val="accent1"/>
+          </a:effectRef>
+          <a:fontRef idx="minor">
+            <a:schemeClr val="tx1"/>
+          </a:fontRef>
+        </p:style>
+      </p:cxnSp>
+      <p:cxnSp>
+        <p:nvCxnSpPr>
+          <p:cNvPr id="185" name="Straight Arrow Connector 184">
+            <a:extLst>
+              <a:ext uri="{FF2B5EF4-FFF2-40B4-BE49-F238E27FC236}">
+                <a16:creationId xmlns:a16="http://schemas.microsoft.com/office/drawing/2014/main" id="{A1D9FC75-B5F1-7645-BA5E-80D36A8DA486}"/>
+              </a:ext>
+            </a:extLst>
+          </p:cNvPr>
+          <p:cNvCxnSpPr>
+            <a:cxnSpLocks/>
+          </p:cNvCxnSpPr>
+          <p:nvPr/>
+        </p:nvCxnSpPr>
+        <p:spPr>
+          <a:xfrm>
+            <a:off x="9809018" y="10155449"/>
+            <a:ext cx="0" cy="492228"/>
+          </a:xfrm>
+          <a:prstGeom prst="straightConnector1">
+            <a:avLst/>
+          </a:prstGeom>
+          <a:ln>
+            <a:tailEnd type="triangle"/>
+          </a:ln>
+          <a:effectLst/>
+        </p:spPr>
+        <p:style>
+          <a:lnRef idx="2">
+            <a:schemeClr val="accent1"/>
+          </a:lnRef>
+          <a:fillRef idx="0">
+            <a:schemeClr val="accent1"/>
+          </a:fillRef>
+          <a:effectRef idx="1">
+            <a:schemeClr val="accent1"/>
+          </a:effectRef>
+          <a:fontRef idx="minor">
+            <a:schemeClr val="tx1"/>
+          </a:fontRef>
+        </p:style>
+      </p:cxnSp>
+      <p:sp>
+        <p:nvSpPr>
+          <p:cNvPr id="2" name="TextBox 1">
+            <a:extLst>
+              <a:ext uri="{FF2B5EF4-FFF2-40B4-BE49-F238E27FC236}">
+                <a16:creationId xmlns:a16="http://schemas.microsoft.com/office/drawing/2014/main" id="{C624E5A7-A58C-764A-88CE-BCF9F6D0AD14}"/>
+              </a:ext>
+            </a:extLst>
+          </p:cNvPr>
+          <p:cNvSpPr txBox="1"/>
+          <p:nvPr/>
+        </p:nvSpPr>
+        <p:spPr>
+          <a:xfrm>
+            <a:off x="20474609" y="610128"/>
+            <a:ext cx="7812156" cy="5262979"/>
+          </a:xfrm>
+          <a:prstGeom prst="rect">
+            <a:avLst/>
+          </a:prstGeom>
+          <a:noFill/>
+        </p:spPr>
+        <p:txBody>
+          <a:bodyPr wrap="square" rtlCol="0">
+            <a:spAutoFit/>
+          </a:bodyPr>
+          <a:lstStyle/>
+          <a:p>
+            <a:r>
+              <a:rPr lang="en-US" sz="1600" dirty="0"/>
+              <a:t>For 12-tile paper, we had:</a:t>
+            </a:r>
+            <a:br>
+              <a:rPr lang="en-US" sz="1600" dirty="0"/>
+            </a:br>
+            <a:r>
+              <a:rPr lang="en-US" sz="1600" dirty="0"/>
+              <a:t>	SPM12 gives good extracerebral segmentation, which is why SB used SPM12</a:t>
+            </a:r>
+          </a:p>
+          <a:p>
+            <a:r>
+              <a:rPr lang="en-US" sz="1600" dirty="0"/>
+              <a:t>	Then </a:t>
+            </a:r>
+            <a:r>
+              <a:rPr lang="en-US" sz="1600" dirty="0" err="1"/>
+              <a:t>Freesurfer</a:t>
+            </a:r>
+            <a:r>
+              <a:rPr lang="en-US" sz="1600" dirty="0"/>
+              <a:t> Recon All</a:t>
+            </a:r>
+          </a:p>
+          <a:p>
+            <a:r>
+              <a:rPr lang="en-US" sz="1600" dirty="0"/>
+              <a:t>	Then part of HCP pipeline</a:t>
+            </a:r>
+          </a:p>
+          <a:p>
+            <a:endParaRPr lang="en-US" sz="1600" dirty="0"/>
+          </a:p>
+          <a:p>
+            <a:r>
+              <a:rPr lang="en-US" sz="1600" dirty="0"/>
+              <a:t>Recently Marco used a subsection of the </a:t>
+            </a:r>
+            <a:r>
+              <a:rPr lang="en-US" sz="1600" dirty="0" err="1"/>
+              <a:t>Freesurfer</a:t>
+            </a:r>
+            <a:r>
+              <a:rPr lang="en-US" sz="1600" dirty="0"/>
+              <a:t> recon all pipeline to create the </a:t>
+            </a:r>
+            <a:r>
+              <a:rPr lang="en-US" sz="1600" dirty="0" err="1"/>
+              <a:t>pial</a:t>
+            </a:r>
+            <a:r>
+              <a:rPr lang="en-US" sz="1600" dirty="0"/>
+              <a:t> and sphere surfaces using GM and WM segmentations (or tissue </a:t>
+            </a:r>
+            <a:r>
+              <a:rPr lang="en-US" sz="1600"/>
+              <a:t>probability)</a:t>
+            </a:r>
+            <a:endParaRPr lang="en-US" sz="1600" dirty="0"/>
+          </a:p>
+          <a:p>
+            <a:endParaRPr lang="en-US" sz="1600" dirty="0"/>
+          </a:p>
+          <a:p>
+            <a:r>
+              <a:rPr lang="en-US" sz="1600" b="1" dirty="0"/>
+              <a:t>Try to align infant and Adult data types and pipeline.</a:t>
+            </a:r>
+            <a:endParaRPr lang="en-US" sz="1600" dirty="0"/>
+          </a:p>
+          <a:p>
+            <a:r>
+              <a:rPr lang="en-US" sz="1600" dirty="0"/>
+              <a:t>Adults:</a:t>
+            </a:r>
+            <a:br>
+              <a:rPr lang="en-US" sz="1600" dirty="0"/>
+            </a:br>
+            <a:r>
+              <a:rPr lang="en-US" sz="1600" dirty="0"/>
+              <a:t>From SPM + </a:t>
+            </a:r>
+            <a:r>
+              <a:rPr lang="en-US" sz="1600" dirty="0" err="1"/>
+              <a:t>freesurfer</a:t>
+            </a:r>
+            <a:r>
+              <a:rPr lang="en-US" sz="1600" dirty="0"/>
+              <a:t> subroutine, you get 6 prob. Maps to feed straight in to Mask Creation</a:t>
+            </a:r>
+          </a:p>
+          <a:p>
+            <a:endParaRPr lang="en-US" sz="1600" dirty="0"/>
+          </a:p>
+          <a:p>
+            <a:r>
+              <a:rPr lang="en-US" sz="1600" dirty="0"/>
+              <a:t>Infants:</a:t>
+            </a:r>
+          </a:p>
+          <a:p>
+            <a:r>
+              <a:rPr lang="en-US" sz="1600" dirty="0"/>
+              <a:t>From </a:t>
+            </a:r>
+            <a:r>
+              <a:rPr lang="en-US" sz="1600" dirty="0" err="1"/>
+              <a:t>dHCP</a:t>
+            </a:r>
+            <a:r>
+              <a:rPr lang="en-US" sz="1600" dirty="0"/>
+              <a:t> get </a:t>
+            </a:r>
+            <a:r>
+              <a:rPr lang="en-US" sz="1600" dirty="0" err="1"/>
+              <a:t>freesurfer</a:t>
+            </a:r>
+            <a:r>
+              <a:rPr lang="en-US" sz="1600" dirty="0"/>
+              <a:t> surfaces plus GM, WM, CSF (outer) , need to have extra code to take MRI and create ECT within the mask creation script.</a:t>
+            </a:r>
+          </a:p>
+          <a:p>
+            <a:endParaRPr lang="en-US" sz="1600" dirty="0"/>
+          </a:p>
+          <a:p>
+            <a:r>
+              <a:rPr lang="en-US" sz="1600" dirty="0"/>
+              <a:t>Can we make a call to perform the surface based registration  with </a:t>
+            </a:r>
+            <a:r>
+              <a:rPr lang="en-US" sz="1600" dirty="0" err="1"/>
+              <a:t>freesurfer</a:t>
+            </a:r>
+            <a:r>
+              <a:rPr lang="en-US" sz="1600" dirty="0"/>
+              <a:t> from </a:t>
+            </a:r>
+            <a:r>
+              <a:rPr lang="en-US" sz="1600" dirty="0" err="1"/>
+              <a:t>matlab</a:t>
+            </a:r>
+            <a:r>
+              <a:rPr lang="en-US" sz="1600" dirty="0"/>
+              <a:t>?  Rather than requiring FSL as well…</a:t>
+            </a:r>
+          </a:p>
+          <a:p>
+            <a:endParaRPr lang="en-US" sz="1600" dirty="0"/>
+          </a:p>
+          <a:p>
+            <a:endParaRPr lang="en-US" sz="1600" dirty="0"/>
+          </a:p>
+          <a:p>
+            <a:endParaRPr lang="en-US" sz="1600" dirty="0"/>
+          </a:p>
+        </p:txBody>
+      </p:sp>
+    </p:spTree>
+    <p:extLst>
+      <p:ext uri="{BB962C8B-B14F-4D97-AF65-F5344CB8AC3E}">
+        <p14:creationId xmlns:p14="http://schemas.microsoft.com/office/powerpoint/2010/main" val="1866171799"/>
+      </p:ext>
+    </p:extLst>
+  </p:cSld>
+  <p:clrMapOvr>
+    <a:masterClrMapping/>
+  </p:clrMapOvr>
+</p:sld>
+</file>
+
+<file path=ppt/slides/slide4.xml><?xml version="1.0" encoding="utf-8"?>
+<p:sld xmlns:a="http://schemas.openxmlformats.org/drawingml/2006/main" xmlns:r="http://schemas.openxmlformats.org/officeDocument/2006/relationships" xmlns:p="http://schemas.openxmlformats.org/presentationml/2006/main">
+  <p:cSld>
+    <p:spTree>
+      <p:nvGrpSpPr>
+        <p:cNvPr id="1" name=""/>
+        <p:cNvGrpSpPr/>
+        <p:nvPr/>
+      </p:nvGrpSpPr>
+      <p:grpSpPr>
+        <a:xfrm>
+          <a:off x="0" y="0"/>
+          <a:ext cx="0" cy="0"/>
+          <a:chOff x="0" y="0"/>
+          <a:chExt cx="0" cy="0"/>
+        </a:xfrm>
+      </p:grpSpPr>
+      <p:sp>
+        <p:nvSpPr>
+          <p:cNvPr id="4" name="Rectangle 3">
+            <a:extLst>
+              <a:ext uri="{FF2B5EF4-FFF2-40B4-BE49-F238E27FC236}">
+                <a16:creationId xmlns:a16="http://schemas.microsoft.com/office/drawing/2014/main" id="{A1C1D410-C675-8049-91DA-64580E5EBF31}"/>
+              </a:ext>
+            </a:extLst>
+          </p:cNvPr>
+          <p:cNvSpPr/>
+          <p:nvPr/>
+        </p:nvSpPr>
+        <p:spPr>
+          <a:xfrm>
+            <a:off x="13767006" y="610128"/>
+            <a:ext cx="5280922" cy="19390294"/>
+          </a:xfrm>
+          <a:prstGeom prst="rect">
+            <a:avLst/>
+          </a:prstGeom>
+          <a:noFill/>
+          <a:ln w="28575">
+            <a:solidFill>
+              <a:schemeClr val="tx1"/>
+            </a:solidFill>
+            <a:prstDash val="sysDot"/>
+          </a:ln>
+          <a:effectLst/>
+        </p:spPr>
+        <p:style>
+          <a:lnRef idx="1">
+            <a:schemeClr val="accent1"/>
+          </a:lnRef>
+          <a:fillRef idx="3">
+            <a:schemeClr val="accent1"/>
+          </a:fillRef>
+          <a:effectRef idx="2">
+            <a:schemeClr val="accent1"/>
+          </a:effectRef>
+          <a:fontRef idx="minor">
+            <a:schemeClr val="lt1"/>
+          </a:fontRef>
+        </p:style>
+        <p:txBody>
+          <a:bodyPr rtlCol="0" anchor="t"/>
+          <a:lstStyle/>
+          <a:p>
+            <a:pPr algn="ctr"/>
+            <a:endParaRPr lang="en-US" sz="1200" dirty="0">
+              <a:solidFill>
+                <a:schemeClr val="tx1"/>
+              </a:solidFill>
+            </a:endParaRPr>
+          </a:p>
+        </p:txBody>
+      </p:sp>
+      <p:sp>
+        <p:nvSpPr>
           <p:cNvPr id="6" name="Rectangle 5">
             <a:extLst>
               <a:ext uri="{FF2B5EF4-FFF2-40B4-BE49-F238E27FC236}">
@@ -19878,7 +22688,7 @@
 </p:sld>
 </file>
 
-<file path=ppt/slides/slide4.xml><?xml version="1.0" encoding="utf-8"?>
+<file path=ppt/slides/slide5.xml><?xml version="1.0" encoding="utf-8"?>
 <p:sld xmlns:a="http://schemas.openxmlformats.org/drawingml/2006/main" xmlns:r="http://schemas.openxmlformats.org/officeDocument/2006/relationships" xmlns:p="http://schemas.openxmlformats.org/presentationml/2006/main">
   <p:cSld>
     <p:spTree>
